--- a/hatten/RelPerm.pptx
+++ b/hatten/RelPerm.pptx
@@ -124,14 +124,6 @@
     </p:ext>
   </p:extLst>
 </p:presentation>
-</file>
-
-<file path=ppt/revisionInfo.xml><?xml version="1.0" encoding="utf-8"?>
-<p1510:revInfo xmlns:a="http://schemas.openxmlformats.org/drawingml/2006/main" xmlns:r="http://schemas.openxmlformats.org/officeDocument/2006/relationships" xmlns:p1510="http://schemas.microsoft.com/office/powerpoint/2015/10/main">
-  <p1510:revLst>
-    <p1510:client id="{48221602-396E-4496-8DF3-5E30BAE5EEBA}" v="70" dt="2022-11-22T09:12:10.593"/>
-  </p1510:revLst>
-</p1510:revInfo>
 </file>
 
 <file path=ppt/changesInfos/changesInfo1.xml><?xml version="1.0" encoding="utf-8"?>
@@ -1020,6 +1012,60 @@
       </pc:sldChg>
     </pc:docChg>
   </pc:docChgLst>
+  <pc:docChgLst>
+    <pc:chgData name="hirose taichi" userId="ed2dc4b0-8795-4813-ada8-f41a239e7d7d" providerId="ADAL" clId="{C4F27CE4-8D00-4CF9-9B0C-315DE041EBCE}"/>
+    <pc:docChg chg="addSld delSld modSld">
+      <pc:chgData name="hirose taichi" userId="ed2dc4b0-8795-4813-ada8-f41a239e7d7d" providerId="ADAL" clId="{C4F27CE4-8D00-4CF9-9B0C-315DE041EBCE}" dt="2023-01-26T00:23:07.460" v="67" actId="47"/>
+      <pc:docMkLst>
+        <pc:docMk/>
+      </pc:docMkLst>
+      <pc:sldChg chg="modSp mod">
+        <pc:chgData name="hirose taichi" userId="ed2dc4b0-8795-4813-ada8-f41a239e7d7d" providerId="ADAL" clId="{C4F27CE4-8D00-4CF9-9B0C-315DE041EBCE}" dt="2023-01-26T00:20:29.398" v="0" actId="20577"/>
+        <pc:sldMkLst>
+          <pc:docMk/>
+          <pc:sldMk cId="3986954847" sldId="257"/>
+        </pc:sldMkLst>
+        <pc:spChg chg="mod">
+          <ac:chgData name="hirose taichi" userId="ed2dc4b0-8795-4813-ada8-f41a239e7d7d" providerId="ADAL" clId="{C4F27CE4-8D00-4CF9-9B0C-315DE041EBCE}" dt="2023-01-26T00:20:29.398" v="0" actId="20577"/>
+          <ac:spMkLst>
+            <pc:docMk/>
+            <pc:sldMk cId="3986954847" sldId="257"/>
+            <ac:spMk id="5" creationId="{CDCE0651-A0EF-4A4C-B943-083A18B640CD}"/>
+          </ac:spMkLst>
+        </pc:spChg>
+      </pc:sldChg>
+      <pc:sldChg chg="modSp mod">
+        <pc:chgData name="hirose taichi" userId="ed2dc4b0-8795-4813-ada8-f41a239e7d7d" providerId="ADAL" clId="{C4F27CE4-8D00-4CF9-9B0C-315DE041EBCE}" dt="2023-01-26T00:20:32.718" v="1" actId="20577"/>
+        <pc:sldMkLst>
+          <pc:docMk/>
+          <pc:sldMk cId="3908376362" sldId="273"/>
+        </pc:sldMkLst>
+        <pc:spChg chg="mod">
+          <ac:chgData name="hirose taichi" userId="ed2dc4b0-8795-4813-ada8-f41a239e7d7d" providerId="ADAL" clId="{C4F27CE4-8D00-4CF9-9B0C-315DE041EBCE}" dt="2023-01-26T00:20:32.718" v="1" actId="20577"/>
+          <ac:spMkLst>
+            <pc:docMk/>
+            <pc:sldMk cId="3908376362" sldId="273"/>
+            <ac:spMk id="5" creationId="{CDCE0651-A0EF-4A4C-B943-083A18B640CD}"/>
+          </ac:spMkLst>
+        </pc:spChg>
+      </pc:sldChg>
+      <pc:sldChg chg="modSp new del mod">
+        <pc:chgData name="hirose taichi" userId="ed2dc4b0-8795-4813-ada8-f41a239e7d7d" providerId="ADAL" clId="{C4F27CE4-8D00-4CF9-9B0C-315DE041EBCE}" dt="2023-01-26T00:23:07.460" v="67" actId="47"/>
+        <pc:sldMkLst>
+          <pc:docMk/>
+          <pc:sldMk cId="317756586" sldId="276"/>
+        </pc:sldMkLst>
+        <pc:spChg chg="mod">
+          <ac:chgData name="hirose taichi" userId="ed2dc4b0-8795-4813-ada8-f41a239e7d7d" providerId="ADAL" clId="{C4F27CE4-8D00-4CF9-9B0C-315DE041EBCE}" dt="2023-01-26T00:23:05.387" v="66" actId="6549"/>
+          <ac:spMkLst>
+            <pc:docMk/>
+            <pc:sldMk cId="317756586" sldId="276"/>
+            <ac:spMk id="2" creationId="{C7631E3D-E358-4B8C-9EB9-CA892E309D40}"/>
+          </ac:spMkLst>
+        </pc:spChg>
+      </pc:sldChg>
+    </pc:docChg>
+  </pc:docChgLst>
 </pc:chgInfo>
 </file>
 
@@ -1105,7 +1151,7 @@
           <a:p>
             <a:fld id="{B8941CC6-1CA4-4464-841A-10CAD0828153}" type="datetimeFigureOut">
               <a:rPr kumimoji="1" lang="ja-JP" altLang="en-US" smtClean="0"/>
-              <a:t>2022/11/22</a:t>
+              <a:t>2023/1/26</a:t>
             </a:fld>
             <a:endParaRPr kumimoji="1" lang="ja-JP" altLang="en-US"/>
           </a:p>
@@ -1936,7 +1982,7 @@
           <a:p>
             <a:fld id="{18372639-44B2-478A-AE24-9822ECB6B3BB}" type="datetimeFigureOut">
               <a:rPr kumimoji="1" lang="ja-JP" altLang="en-US" smtClean="0"/>
-              <a:t>2022/11/22</a:t>
+              <a:t>2023/1/26</a:t>
             </a:fld>
             <a:endParaRPr kumimoji="1" lang="ja-JP" altLang="en-US"/>
           </a:p>
@@ -2138,7 +2184,7 @@
           <a:p>
             <a:fld id="{18372639-44B2-478A-AE24-9822ECB6B3BB}" type="datetimeFigureOut">
               <a:rPr kumimoji="1" lang="ja-JP" altLang="en-US" smtClean="0"/>
-              <a:t>2022/11/22</a:t>
+              <a:t>2023/1/26</a:t>
             </a:fld>
             <a:endParaRPr kumimoji="1" lang="ja-JP" altLang="en-US"/>
           </a:p>
@@ -2350,7 +2396,7 @@
           <a:p>
             <a:fld id="{18372639-44B2-478A-AE24-9822ECB6B3BB}" type="datetimeFigureOut">
               <a:rPr kumimoji="1" lang="ja-JP" altLang="en-US" smtClean="0"/>
-              <a:t>2022/11/22</a:t>
+              <a:t>2023/1/26</a:t>
             </a:fld>
             <a:endParaRPr kumimoji="1" lang="ja-JP" altLang="en-US"/>
           </a:p>
@@ -2552,7 +2598,7 @@
           <a:p>
             <a:fld id="{18372639-44B2-478A-AE24-9822ECB6B3BB}" type="datetimeFigureOut">
               <a:rPr kumimoji="1" lang="ja-JP" altLang="en-US" smtClean="0"/>
-              <a:t>2022/11/22</a:t>
+              <a:t>2023/1/26</a:t>
             </a:fld>
             <a:endParaRPr kumimoji="1" lang="ja-JP" altLang="en-US"/>
           </a:p>
@@ -2796,7 +2842,7 @@
           <a:p>
             <a:fld id="{18372639-44B2-478A-AE24-9822ECB6B3BB}" type="datetimeFigureOut">
               <a:rPr kumimoji="1" lang="ja-JP" altLang="en-US" smtClean="0"/>
-              <a:t>2022/11/22</a:t>
+              <a:t>2023/1/26</a:t>
             </a:fld>
             <a:endParaRPr kumimoji="1" lang="ja-JP" altLang="en-US"/>
           </a:p>
@@ -3092,7 +3138,7 @@
           <a:p>
             <a:fld id="{18372639-44B2-478A-AE24-9822ECB6B3BB}" type="datetimeFigureOut">
               <a:rPr kumimoji="1" lang="ja-JP" altLang="en-US" smtClean="0"/>
-              <a:t>2022/11/22</a:t>
+              <a:t>2023/1/26</a:t>
             </a:fld>
             <a:endParaRPr kumimoji="1" lang="ja-JP" altLang="en-US"/>
           </a:p>
@@ -3523,7 +3569,7 @@
           <a:p>
             <a:fld id="{18372639-44B2-478A-AE24-9822ECB6B3BB}" type="datetimeFigureOut">
               <a:rPr kumimoji="1" lang="ja-JP" altLang="en-US" smtClean="0"/>
-              <a:t>2022/11/22</a:t>
+              <a:t>2023/1/26</a:t>
             </a:fld>
             <a:endParaRPr kumimoji="1" lang="ja-JP" altLang="en-US"/>
           </a:p>
@@ -3641,7 +3687,7 @@
           <a:p>
             <a:fld id="{18372639-44B2-478A-AE24-9822ECB6B3BB}" type="datetimeFigureOut">
               <a:rPr kumimoji="1" lang="ja-JP" altLang="en-US" smtClean="0"/>
-              <a:t>2022/11/22</a:t>
+              <a:t>2023/1/26</a:t>
             </a:fld>
             <a:endParaRPr kumimoji="1" lang="ja-JP" altLang="en-US"/>
           </a:p>
@@ -3736,7 +3782,7 @@
           <a:p>
             <a:fld id="{18372639-44B2-478A-AE24-9822ECB6B3BB}" type="datetimeFigureOut">
               <a:rPr kumimoji="1" lang="ja-JP" altLang="en-US" smtClean="0"/>
-              <a:t>2022/11/22</a:t>
+              <a:t>2023/1/26</a:t>
             </a:fld>
             <a:endParaRPr kumimoji="1" lang="ja-JP" altLang="en-US"/>
           </a:p>
@@ -4045,7 +4091,7 @@
           <a:p>
             <a:fld id="{18372639-44B2-478A-AE24-9822ECB6B3BB}" type="datetimeFigureOut">
               <a:rPr kumimoji="1" lang="ja-JP" altLang="en-US" smtClean="0"/>
-              <a:t>2022/11/22</a:t>
+              <a:t>2023/1/26</a:t>
             </a:fld>
             <a:endParaRPr kumimoji="1" lang="ja-JP" altLang="en-US"/>
           </a:p>
@@ -4302,7 +4348,7 @@
           <a:p>
             <a:fld id="{18372639-44B2-478A-AE24-9822ECB6B3BB}" type="datetimeFigureOut">
               <a:rPr kumimoji="1" lang="ja-JP" altLang="en-US" smtClean="0"/>
-              <a:t>2022/11/22</a:t>
+              <a:t>2023/1/26</a:t>
             </a:fld>
             <a:endParaRPr kumimoji="1" lang="ja-JP" altLang="en-US"/>
           </a:p>
@@ -4547,7 +4593,7 @@
           <a:p>
             <a:fld id="{18372639-44B2-478A-AE24-9822ECB6B3BB}" type="datetimeFigureOut">
               <a:rPr kumimoji="1" lang="ja-JP" altLang="en-US" smtClean="0"/>
-              <a:t>2022/11/22</a:t>
+              <a:t>2023/1/26</a:t>
             </a:fld>
             <a:endParaRPr kumimoji="1" lang="ja-JP" altLang="en-US"/>
           </a:p>
@@ -5186,8 +5232,8 @@
           </a:p>
         </p:txBody>
       </p:sp>
-      <mc:AlternateContent xmlns:mc="http://schemas.openxmlformats.org/markup-compatibility/2006">
-        <mc:Choice xmlns:a14="http://schemas.microsoft.com/office/drawing/2010/main" Requires="a14">
+      <mc:AlternateContent xmlns:mc="http://schemas.openxmlformats.org/markup-compatibility/2006" xmlns:a14="http://schemas.microsoft.com/office/drawing/2010/main">
+        <mc:Choice Requires="a14">
           <p:sp>
             <p:nvSpPr>
               <p:cNvPr id="3" name="コンテンツ プレースホルダー 2">
@@ -5768,7 +5814,7 @@
             </p:txBody>
           </p:sp>
         </mc:Choice>
-        <mc:Fallback>
+        <mc:Fallback xmlns="">
           <p:sp>
             <p:nvSpPr>
               <p:cNvPr id="3" name="コンテンツ プレースホルダー 2">
@@ -8027,7 +8073,7 @@
                     <a:schemeClr val="tx1"/>
                   </a:solidFill>
                 </a:rPr>
-                <a:t>絶対浸透率とダルシー則</a:t>
+                <a:t>絶対浸透率</a:t>
               </a:r>
             </a:p>
           </p:txBody>
@@ -8689,6 +8735,1817 @@
 </file>
 
 <file path=ppt/slides/slide3.xml><?xml version="1.0" encoding="utf-8"?>
+<p:sld xmlns:a="http://schemas.openxmlformats.org/drawingml/2006/main" xmlns:r="http://schemas.openxmlformats.org/officeDocument/2006/relationships" xmlns:p="http://schemas.openxmlformats.org/presentationml/2006/main">
+  <p:cSld>
+    <p:spTree>
+      <p:nvGrpSpPr>
+        <p:cNvPr id="1" name=""/>
+        <p:cNvGrpSpPr/>
+        <p:nvPr/>
+      </p:nvGrpSpPr>
+      <p:grpSpPr>
+        <a:xfrm>
+          <a:off x="0" y="0"/>
+          <a:ext cx="0" cy="0"/>
+          <a:chOff x="0" y="0"/>
+          <a:chExt cx="0" cy="0"/>
+        </a:xfrm>
+      </p:grpSpPr>
+      <p:sp>
+        <p:nvSpPr>
+          <p:cNvPr id="2" name="タイトル 1">
+            <a:extLst>
+              <a:ext uri="{FF2B5EF4-FFF2-40B4-BE49-F238E27FC236}">
+                <a16:creationId xmlns:a16="http://schemas.microsoft.com/office/drawing/2014/main" id="{31635990-148D-40E0-BA92-856D37FBD08D}"/>
+              </a:ext>
+            </a:extLst>
+          </p:cNvPr>
+          <p:cNvSpPr>
+            <a:spLocks noGrp="1"/>
+          </p:cNvSpPr>
+          <p:nvPr>
+            <p:ph type="title"/>
+          </p:nvPr>
+        </p:nvSpPr>
+        <p:spPr/>
+        <p:txBody>
+          <a:bodyPr/>
+          <a:lstStyle/>
+          <a:p>
+            <a:r>
+              <a:rPr lang="ja-JP" altLang="en-US" dirty="0"/>
+              <a:t>発表内容</a:t>
+            </a:r>
+            <a:endParaRPr kumimoji="1" lang="ja-JP" altLang="en-US" dirty="0"/>
+          </a:p>
+        </p:txBody>
+      </p:sp>
+      <p:grpSp>
+        <p:nvGrpSpPr>
+          <p:cNvPr id="3" name="グループ化 2">
+            <a:extLst>
+              <a:ext uri="{FF2B5EF4-FFF2-40B4-BE49-F238E27FC236}">
+                <a16:creationId xmlns:a16="http://schemas.microsoft.com/office/drawing/2014/main" id="{FD32968B-0CA8-4F74-AA43-B4231DBDD697}"/>
+              </a:ext>
+            </a:extLst>
+          </p:cNvPr>
+          <p:cNvGrpSpPr/>
+          <p:nvPr/>
+        </p:nvGrpSpPr>
+        <p:grpSpPr>
+          <a:xfrm>
+            <a:off x="1087394" y="2129921"/>
+            <a:ext cx="6969211" cy="2598158"/>
+            <a:chOff x="1087394" y="1690689"/>
+            <a:chExt cx="6969211" cy="2598158"/>
+          </a:xfrm>
+        </p:grpSpPr>
+        <p:sp>
+          <p:nvSpPr>
+            <p:cNvPr id="4" name="正方形/長方形 3">
+              <a:extLst>
+                <a:ext uri="{FF2B5EF4-FFF2-40B4-BE49-F238E27FC236}">
+                  <a16:creationId xmlns:a16="http://schemas.microsoft.com/office/drawing/2014/main" id="{15089C35-5C4A-4B51-8066-34722357EB98}"/>
+                </a:ext>
+              </a:extLst>
+            </p:cNvPr>
+            <p:cNvSpPr/>
+            <p:nvPr/>
+          </p:nvSpPr>
+          <p:spPr>
+            <a:xfrm>
+              <a:off x="1087394" y="1690689"/>
+              <a:ext cx="852616" cy="720000"/>
+            </a:xfrm>
+            <a:prstGeom prst="rect">
+              <a:avLst/>
+            </a:prstGeom>
+          </p:spPr>
+          <p:style>
+            <a:lnRef idx="2">
+              <a:schemeClr val="accent1">
+                <a:shade val="50000"/>
+              </a:schemeClr>
+            </a:lnRef>
+            <a:fillRef idx="1">
+              <a:schemeClr val="accent1"/>
+            </a:fillRef>
+            <a:effectRef idx="0">
+              <a:schemeClr val="accent1"/>
+            </a:effectRef>
+            <a:fontRef idx="minor">
+              <a:schemeClr val="lt1"/>
+            </a:fontRef>
+          </p:style>
+          <p:txBody>
+            <a:bodyPr rtlCol="0" anchor="ctr"/>
+            <a:lstStyle>
+              <a:defPPr>
+                <a:defRPr lang="en-US"/>
+              </a:defPPr>
+              <a:lvl1pPr marL="0" algn="l" defTabSz="457200" rtl="0" eaLnBrk="1" latinLnBrk="0" hangingPunct="1">
+                <a:defRPr sz="1800" kern="1200">
+                  <a:solidFill>
+                    <a:schemeClr val="lt1"/>
+                  </a:solidFill>
+                  <a:latin typeface="+mn-lt"/>
+                  <a:ea typeface="+mn-ea"/>
+                  <a:cs typeface="+mn-cs"/>
+                </a:defRPr>
+              </a:lvl1pPr>
+              <a:lvl2pPr marL="457200" algn="l" defTabSz="457200" rtl="0" eaLnBrk="1" latinLnBrk="0" hangingPunct="1">
+                <a:defRPr sz="1800" kern="1200">
+                  <a:solidFill>
+                    <a:schemeClr val="lt1"/>
+                  </a:solidFill>
+                  <a:latin typeface="+mn-lt"/>
+                  <a:ea typeface="+mn-ea"/>
+                  <a:cs typeface="+mn-cs"/>
+                </a:defRPr>
+              </a:lvl2pPr>
+              <a:lvl3pPr marL="914400" algn="l" defTabSz="457200" rtl="0" eaLnBrk="1" latinLnBrk="0" hangingPunct="1">
+                <a:defRPr sz="1800" kern="1200">
+                  <a:solidFill>
+                    <a:schemeClr val="lt1"/>
+                  </a:solidFill>
+                  <a:latin typeface="+mn-lt"/>
+                  <a:ea typeface="+mn-ea"/>
+                  <a:cs typeface="+mn-cs"/>
+                </a:defRPr>
+              </a:lvl3pPr>
+              <a:lvl4pPr marL="1371600" algn="l" defTabSz="457200" rtl="0" eaLnBrk="1" latinLnBrk="0" hangingPunct="1">
+                <a:defRPr sz="1800" kern="1200">
+                  <a:solidFill>
+                    <a:schemeClr val="lt1"/>
+                  </a:solidFill>
+                  <a:latin typeface="+mn-lt"/>
+                  <a:ea typeface="+mn-ea"/>
+                  <a:cs typeface="+mn-cs"/>
+                </a:defRPr>
+              </a:lvl4pPr>
+              <a:lvl5pPr marL="1828800" algn="l" defTabSz="457200" rtl="0" eaLnBrk="1" latinLnBrk="0" hangingPunct="1">
+                <a:defRPr sz="1800" kern="1200">
+                  <a:solidFill>
+                    <a:schemeClr val="lt1"/>
+                  </a:solidFill>
+                  <a:latin typeface="+mn-lt"/>
+                  <a:ea typeface="+mn-ea"/>
+                  <a:cs typeface="+mn-cs"/>
+                </a:defRPr>
+              </a:lvl5pPr>
+              <a:lvl6pPr marL="2286000" algn="l" defTabSz="457200" rtl="0" eaLnBrk="1" latinLnBrk="0" hangingPunct="1">
+                <a:defRPr sz="1800" kern="1200">
+                  <a:solidFill>
+                    <a:schemeClr val="lt1"/>
+                  </a:solidFill>
+                  <a:latin typeface="+mn-lt"/>
+                  <a:ea typeface="+mn-ea"/>
+                  <a:cs typeface="+mn-cs"/>
+                </a:defRPr>
+              </a:lvl6pPr>
+              <a:lvl7pPr marL="2743200" algn="l" defTabSz="457200" rtl="0" eaLnBrk="1" latinLnBrk="0" hangingPunct="1">
+                <a:defRPr sz="1800" kern="1200">
+                  <a:solidFill>
+                    <a:schemeClr val="lt1"/>
+                  </a:solidFill>
+                  <a:latin typeface="+mn-lt"/>
+                  <a:ea typeface="+mn-ea"/>
+                  <a:cs typeface="+mn-cs"/>
+                </a:defRPr>
+              </a:lvl7pPr>
+              <a:lvl8pPr marL="3200400" algn="l" defTabSz="457200" rtl="0" eaLnBrk="1" latinLnBrk="0" hangingPunct="1">
+                <a:defRPr sz="1800" kern="1200">
+                  <a:solidFill>
+                    <a:schemeClr val="lt1"/>
+                  </a:solidFill>
+                  <a:latin typeface="+mn-lt"/>
+                  <a:ea typeface="+mn-ea"/>
+                  <a:cs typeface="+mn-cs"/>
+                </a:defRPr>
+              </a:lvl8pPr>
+              <a:lvl9pPr marL="3657600" algn="l" defTabSz="457200" rtl="0" eaLnBrk="1" latinLnBrk="0" hangingPunct="1">
+                <a:defRPr sz="1800" kern="1200">
+                  <a:solidFill>
+                    <a:schemeClr val="lt1"/>
+                  </a:solidFill>
+                  <a:latin typeface="+mn-lt"/>
+                  <a:ea typeface="+mn-ea"/>
+                  <a:cs typeface="+mn-cs"/>
+                </a:defRPr>
+              </a:lvl9pPr>
+            </a:lstStyle>
+            <a:p>
+              <a:pPr algn="ctr"/>
+              <a:r>
+                <a:rPr kumimoji="1" lang="en-US" altLang="ja-JP" sz="3000" dirty="0"/>
+                <a:t>1</a:t>
+              </a:r>
+              <a:endParaRPr kumimoji="1" lang="ja-JP" altLang="en-US" sz="3000"/>
+            </a:p>
+          </p:txBody>
+        </p:sp>
+        <p:sp>
+          <p:nvSpPr>
+            <p:cNvPr id="5" name="正方形/長方形 4">
+              <a:extLst>
+                <a:ext uri="{FF2B5EF4-FFF2-40B4-BE49-F238E27FC236}">
+                  <a16:creationId xmlns:a16="http://schemas.microsoft.com/office/drawing/2014/main" id="{CDCE0651-A0EF-4A4C-B943-083A18B640CD}"/>
+                </a:ext>
+              </a:extLst>
+            </p:cNvPr>
+            <p:cNvSpPr/>
+            <p:nvPr/>
+          </p:nvSpPr>
+          <p:spPr>
+            <a:xfrm>
+              <a:off x="2162432" y="1690689"/>
+              <a:ext cx="5894173" cy="720000"/>
+            </a:xfrm>
+            <a:prstGeom prst="rect">
+              <a:avLst/>
+            </a:prstGeom>
+            <a:noFill/>
+          </p:spPr>
+          <p:style>
+            <a:lnRef idx="2">
+              <a:schemeClr val="accent1">
+                <a:shade val="50000"/>
+              </a:schemeClr>
+            </a:lnRef>
+            <a:fillRef idx="1">
+              <a:schemeClr val="accent1"/>
+            </a:fillRef>
+            <a:effectRef idx="0">
+              <a:schemeClr val="accent1"/>
+            </a:effectRef>
+            <a:fontRef idx="minor">
+              <a:schemeClr val="lt1"/>
+            </a:fontRef>
+          </p:style>
+          <p:txBody>
+            <a:bodyPr rtlCol="0" anchor="ctr"/>
+            <a:lstStyle>
+              <a:defPPr>
+                <a:defRPr lang="en-US"/>
+              </a:defPPr>
+              <a:lvl1pPr marL="0" algn="l" defTabSz="457200" rtl="0" eaLnBrk="1" latinLnBrk="0" hangingPunct="1">
+                <a:defRPr sz="1800" kern="1200">
+                  <a:solidFill>
+                    <a:schemeClr val="lt1"/>
+                  </a:solidFill>
+                  <a:latin typeface="+mn-lt"/>
+                  <a:ea typeface="+mn-ea"/>
+                  <a:cs typeface="+mn-cs"/>
+                </a:defRPr>
+              </a:lvl1pPr>
+              <a:lvl2pPr marL="457200" algn="l" defTabSz="457200" rtl="0" eaLnBrk="1" latinLnBrk="0" hangingPunct="1">
+                <a:defRPr sz="1800" kern="1200">
+                  <a:solidFill>
+                    <a:schemeClr val="lt1"/>
+                  </a:solidFill>
+                  <a:latin typeface="+mn-lt"/>
+                  <a:ea typeface="+mn-ea"/>
+                  <a:cs typeface="+mn-cs"/>
+                </a:defRPr>
+              </a:lvl2pPr>
+              <a:lvl3pPr marL="914400" algn="l" defTabSz="457200" rtl="0" eaLnBrk="1" latinLnBrk="0" hangingPunct="1">
+                <a:defRPr sz="1800" kern="1200">
+                  <a:solidFill>
+                    <a:schemeClr val="lt1"/>
+                  </a:solidFill>
+                  <a:latin typeface="+mn-lt"/>
+                  <a:ea typeface="+mn-ea"/>
+                  <a:cs typeface="+mn-cs"/>
+                </a:defRPr>
+              </a:lvl3pPr>
+              <a:lvl4pPr marL="1371600" algn="l" defTabSz="457200" rtl="0" eaLnBrk="1" latinLnBrk="0" hangingPunct="1">
+                <a:defRPr sz="1800" kern="1200">
+                  <a:solidFill>
+                    <a:schemeClr val="lt1"/>
+                  </a:solidFill>
+                  <a:latin typeface="+mn-lt"/>
+                  <a:ea typeface="+mn-ea"/>
+                  <a:cs typeface="+mn-cs"/>
+                </a:defRPr>
+              </a:lvl4pPr>
+              <a:lvl5pPr marL="1828800" algn="l" defTabSz="457200" rtl="0" eaLnBrk="1" latinLnBrk="0" hangingPunct="1">
+                <a:defRPr sz="1800" kern="1200">
+                  <a:solidFill>
+                    <a:schemeClr val="lt1"/>
+                  </a:solidFill>
+                  <a:latin typeface="+mn-lt"/>
+                  <a:ea typeface="+mn-ea"/>
+                  <a:cs typeface="+mn-cs"/>
+                </a:defRPr>
+              </a:lvl5pPr>
+              <a:lvl6pPr marL="2286000" algn="l" defTabSz="457200" rtl="0" eaLnBrk="1" latinLnBrk="0" hangingPunct="1">
+                <a:defRPr sz="1800" kern="1200">
+                  <a:solidFill>
+                    <a:schemeClr val="lt1"/>
+                  </a:solidFill>
+                  <a:latin typeface="+mn-lt"/>
+                  <a:ea typeface="+mn-ea"/>
+                  <a:cs typeface="+mn-cs"/>
+                </a:defRPr>
+              </a:lvl6pPr>
+              <a:lvl7pPr marL="2743200" algn="l" defTabSz="457200" rtl="0" eaLnBrk="1" latinLnBrk="0" hangingPunct="1">
+                <a:defRPr sz="1800" kern="1200">
+                  <a:solidFill>
+                    <a:schemeClr val="lt1"/>
+                  </a:solidFill>
+                  <a:latin typeface="+mn-lt"/>
+                  <a:ea typeface="+mn-ea"/>
+                  <a:cs typeface="+mn-cs"/>
+                </a:defRPr>
+              </a:lvl7pPr>
+              <a:lvl8pPr marL="3200400" algn="l" defTabSz="457200" rtl="0" eaLnBrk="1" latinLnBrk="0" hangingPunct="1">
+                <a:defRPr sz="1800" kern="1200">
+                  <a:solidFill>
+                    <a:schemeClr val="lt1"/>
+                  </a:solidFill>
+                  <a:latin typeface="+mn-lt"/>
+                  <a:ea typeface="+mn-ea"/>
+                  <a:cs typeface="+mn-cs"/>
+                </a:defRPr>
+              </a:lvl8pPr>
+              <a:lvl9pPr marL="3657600" algn="l" defTabSz="457200" rtl="0" eaLnBrk="1" latinLnBrk="0" hangingPunct="1">
+                <a:defRPr sz="1800" kern="1200">
+                  <a:solidFill>
+                    <a:schemeClr val="lt1"/>
+                  </a:solidFill>
+                  <a:latin typeface="+mn-lt"/>
+                  <a:ea typeface="+mn-ea"/>
+                  <a:cs typeface="+mn-cs"/>
+                </a:defRPr>
+              </a:lvl9pPr>
+            </a:lstStyle>
+            <a:p>
+              <a:pPr algn="ctr"/>
+              <a:r>
+                <a:rPr kumimoji="1" lang="ja-JP" altLang="en-US" sz="2800" dirty="0">
+                  <a:solidFill>
+                    <a:schemeClr val="tx1"/>
+                  </a:solidFill>
+                </a:rPr>
+                <a:t>絶対浸透率</a:t>
+              </a:r>
+            </a:p>
+          </p:txBody>
+        </p:sp>
+        <p:grpSp>
+          <p:nvGrpSpPr>
+            <p:cNvPr id="6" name="グループ化 5">
+              <a:extLst>
+                <a:ext uri="{FF2B5EF4-FFF2-40B4-BE49-F238E27FC236}">
+                  <a16:creationId xmlns:a16="http://schemas.microsoft.com/office/drawing/2014/main" id="{A769C742-FEB8-4E91-AC59-37D0D0CFC756}"/>
+                </a:ext>
+              </a:extLst>
+            </p:cNvPr>
+            <p:cNvGrpSpPr/>
+            <p:nvPr/>
+          </p:nvGrpSpPr>
+          <p:grpSpPr>
+            <a:xfrm>
+              <a:off x="1087394" y="2627601"/>
+              <a:ext cx="6969211" cy="720000"/>
+              <a:chOff x="741405" y="1940011"/>
+              <a:chExt cx="6969211" cy="951470"/>
+            </a:xfrm>
+          </p:grpSpPr>
+          <p:sp>
+            <p:nvSpPr>
+              <p:cNvPr id="13" name="正方形/長方形 12">
+                <a:extLst>
+                  <a:ext uri="{FF2B5EF4-FFF2-40B4-BE49-F238E27FC236}">
+                    <a16:creationId xmlns:a16="http://schemas.microsoft.com/office/drawing/2014/main" id="{0E3E640D-D349-4C8C-9F10-8B679006EF4B}"/>
+                  </a:ext>
+                </a:extLst>
+              </p:cNvPr>
+              <p:cNvSpPr/>
+              <p:nvPr/>
+            </p:nvSpPr>
+            <p:spPr>
+              <a:xfrm>
+                <a:off x="741405" y="1940011"/>
+                <a:ext cx="852616" cy="951470"/>
+              </a:xfrm>
+              <a:prstGeom prst="rect">
+                <a:avLst/>
+              </a:prstGeom>
+            </p:spPr>
+            <p:style>
+              <a:lnRef idx="2">
+                <a:schemeClr val="accent1">
+                  <a:shade val="50000"/>
+                </a:schemeClr>
+              </a:lnRef>
+              <a:fillRef idx="1">
+                <a:schemeClr val="accent1"/>
+              </a:fillRef>
+              <a:effectRef idx="0">
+                <a:schemeClr val="accent1"/>
+              </a:effectRef>
+              <a:fontRef idx="minor">
+                <a:schemeClr val="lt1"/>
+              </a:fontRef>
+            </p:style>
+            <p:txBody>
+              <a:bodyPr rtlCol="0" anchor="ctr"/>
+              <a:lstStyle>
+                <a:defPPr>
+                  <a:defRPr lang="en-US"/>
+                </a:defPPr>
+                <a:lvl1pPr marL="0" algn="l" defTabSz="457200" rtl="0" eaLnBrk="1" latinLnBrk="0" hangingPunct="1">
+                  <a:defRPr sz="1800" kern="1200">
+                    <a:solidFill>
+                      <a:schemeClr val="lt1"/>
+                    </a:solidFill>
+                    <a:latin typeface="+mn-lt"/>
+                    <a:ea typeface="+mn-ea"/>
+                    <a:cs typeface="+mn-cs"/>
+                  </a:defRPr>
+                </a:lvl1pPr>
+                <a:lvl2pPr marL="457200" algn="l" defTabSz="457200" rtl="0" eaLnBrk="1" latinLnBrk="0" hangingPunct="1">
+                  <a:defRPr sz="1800" kern="1200">
+                    <a:solidFill>
+                      <a:schemeClr val="lt1"/>
+                    </a:solidFill>
+                    <a:latin typeface="+mn-lt"/>
+                    <a:ea typeface="+mn-ea"/>
+                    <a:cs typeface="+mn-cs"/>
+                  </a:defRPr>
+                </a:lvl2pPr>
+                <a:lvl3pPr marL="914400" algn="l" defTabSz="457200" rtl="0" eaLnBrk="1" latinLnBrk="0" hangingPunct="1">
+                  <a:defRPr sz="1800" kern="1200">
+                    <a:solidFill>
+                      <a:schemeClr val="lt1"/>
+                    </a:solidFill>
+                    <a:latin typeface="+mn-lt"/>
+                    <a:ea typeface="+mn-ea"/>
+                    <a:cs typeface="+mn-cs"/>
+                  </a:defRPr>
+                </a:lvl3pPr>
+                <a:lvl4pPr marL="1371600" algn="l" defTabSz="457200" rtl="0" eaLnBrk="1" latinLnBrk="0" hangingPunct="1">
+                  <a:defRPr sz="1800" kern="1200">
+                    <a:solidFill>
+                      <a:schemeClr val="lt1"/>
+                    </a:solidFill>
+                    <a:latin typeface="+mn-lt"/>
+                    <a:ea typeface="+mn-ea"/>
+                    <a:cs typeface="+mn-cs"/>
+                  </a:defRPr>
+                </a:lvl4pPr>
+                <a:lvl5pPr marL="1828800" algn="l" defTabSz="457200" rtl="0" eaLnBrk="1" latinLnBrk="0" hangingPunct="1">
+                  <a:defRPr sz="1800" kern="1200">
+                    <a:solidFill>
+                      <a:schemeClr val="lt1"/>
+                    </a:solidFill>
+                    <a:latin typeface="+mn-lt"/>
+                    <a:ea typeface="+mn-ea"/>
+                    <a:cs typeface="+mn-cs"/>
+                  </a:defRPr>
+                </a:lvl5pPr>
+                <a:lvl6pPr marL="2286000" algn="l" defTabSz="457200" rtl="0" eaLnBrk="1" latinLnBrk="0" hangingPunct="1">
+                  <a:defRPr sz="1800" kern="1200">
+                    <a:solidFill>
+                      <a:schemeClr val="lt1"/>
+                    </a:solidFill>
+                    <a:latin typeface="+mn-lt"/>
+                    <a:ea typeface="+mn-ea"/>
+                    <a:cs typeface="+mn-cs"/>
+                  </a:defRPr>
+                </a:lvl6pPr>
+                <a:lvl7pPr marL="2743200" algn="l" defTabSz="457200" rtl="0" eaLnBrk="1" latinLnBrk="0" hangingPunct="1">
+                  <a:defRPr sz="1800" kern="1200">
+                    <a:solidFill>
+                      <a:schemeClr val="lt1"/>
+                    </a:solidFill>
+                    <a:latin typeface="+mn-lt"/>
+                    <a:ea typeface="+mn-ea"/>
+                    <a:cs typeface="+mn-cs"/>
+                  </a:defRPr>
+                </a:lvl7pPr>
+                <a:lvl8pPr marL="3200400" algn="l" defTabSz="457200" rtl="0" eaLnBrk="1" latinLnBrk="0" hangingPunct="1">
+                  <a:defRPr sz="1800" kern="1200">
+                    <a:solidFill>
+                      <a:schemeClr val="lt1"/>
+                    </a:solidFill>
+                    <a:latin typeface="+mn-lt"/>
+                    <a:ea typeface="+mn-ea"/>
+                    <a:cs typeface="+mn-cs"/>
+                  </a:defRPr>
+                </a:lvl8pPr>
+                <a:lvl9pPr marL="3657600" algn="l" defTabSz="457200" rtl="0" eaLnBrk="1" latinLnBrk="0" hangingPunct="1">
+                  <a:defRPr sz="1800" kern="1200">
+                    <a:solidFill>
+                      <a:schemeClr val="lt1"/>
+                    </a:solidFill>
+                    <a:latin typeface="+mn-lt"/>
+                    <a:ea typeface="+mn-ea"/>
+                    <a:cs typeface="+mn-cs"/>
+                  </a:defRPr>
+                </a:lvl9pPr>
+              </a:lstStyle>
+              <a:p>
+                <a:pPr algn="ctr"/>
+                <a:r>
+                  <a:rPr kumimoji="1" lang="en-US" altLang="ja-JP" sz="3000" dirty="0"/>
+                  <a:t>2</a:t>
+                </a:r>
+                <a:endParaRPr kumimoji="1" lang="ja-JP" altLang="en-US" sz="3000" dirty="0"/>
+              </a:p>
+            </p:txBody>
+          </p:sp>
+          <p:sp>
+            <p:nvSpPr>
+              <p:cNvPr id="14" name="正方形/長方形 13">
+                <a:extLst>
+                  <a:ext uri="{FF2B5EF4-FFF2-40B4-BE49-F238E27FC236}">
+                    <a16:creationId xmlns:a16="http://schemas.microsoft.com/office/drawing/2014/main" id="{5BEE2C6C-539A-48AE-A8AB-F77EFD0E01DB}"/>
+                  </a:ext>
+                </a:extLst>
+              </p:cNvPr>
+              <p:cNvSpPr/>
+              <p:nvPr/>
+            </p:nvSpPr>
+            <p:spPr>
+              <a:xfrm>
+                <a:off x="1816443" y="1940011"/>
+                <a:ext cx="5894173" cy="951470"/>
+              </a:xfrm>
+              <a:prstGeom prst="rect">
+                <a:avLst/>
+              </a:prstGeom>
+              <a:noFill/>
+            </p:spPr>
+            <p:style>
+              <a:lnRef idx="2">
+                <a:schemeClr val="accent1">
+                  <a:shade val="50000"/>
+                </a:schemeClr>
+              </a:lnRef>
+              <a:fillRef idx="1">
+                <a:schemeClr val="accent1"/>
+              </a:fillRef>
+              <a:effectRef idx="0">
+                <a:schemeClr val="accent1"/>
+              </a:effectRef>
+              <a:fontRef idx="minor">
+                <a:schemeClr val="lt1"/>
+              </a:fontRef>
+            </p:style>
+            <p:txBody>
+              <a:bodyPr rtlCol="0" anchor="ctr"/>
+              <a:lstStyle>
+                <a:defPPr>
+                  <a:defRPr lang="en-US"/>
+                </a:defPPr>
+                <a:lvl1pPr marL="0" algn="l" defTabSz="457200" rtl="0" eaLnBrk="1" latinLnBrk="0" hangingPunct="1">
+                  <a:defRPr sz="1800" kern="1200">
+                    <a:solidFill>
+                      <a:schemeClr val="lt1"/>
+                    </a:solidFill>
+                    <a:latin typeface="+mn-lt"/>
+                    <a:ea typeface="+mn-ea"/>
+                    <a:cs typeface="+mn-cs"/>
+                  </a:defRPr>
+                </a:lvl1pPr>
+                <a:lvl2pPr marL="457200" algn="l" defTabSz="457200" rtl="0" eaLnBrk="1" latinLnBrk="0" hangingPunct="1">
+                  <a:defRPr sz="1800" kern="1200">
+                    <a:solidFill>
+                      <a:schemeClr val="lt1"/>
+                    </a:solidFill>
+                    <a:latin typeface="+mn-lt"/>
+                    <a:ea typeface="+mn-ea"/>
+                    <a:cs typeface="+mn-cs"/>
+                  </a:defRPr>
+                </a:lvl2pPr>
+                <a:lvl3pPr marL="914400" algn="l" defTabSz="457200" rtl="0" eaLnBrk="1" latinLnBrk="0" hangingPunct="1">
+                  <a:defRPr sz="1800" kern="1200">
+                    <a:solidFill>
+                      <a:schemeClr val="lt1"/>
+                    </a:solidFill>
+                    <a:latin typeface="+mn-lt"/>
+                    <a:ea typeface="+mn-ea"/>
+                    <a:cs typeface="+mn-cs"/>
+                  </a:defRPr>
+                </a:lvl3pPr>
+                <a:lvl4pPr marL="1371600" algn="l" defTabSz="457200" rtl="0" eaLnBrk="1" latinLnBrk="0" hangingPunct="1">
+                  <a:defRPr sz="1800" kern="1200">
+                    <a:solidFill>
+                      <a:schemeClr val="lt1"/>
+                    </a:solidFill>
+                    <a:latin typeface="+mn-lt"/>
+                    <a:ea typeface="+mn-ea"/>
+                    <a:cs typeface="+mn-cs"/>
+                  </a:defRPr>
+                </a:lvl4pPr>
+                <a:lvl5pPr marL="1828800" algn="l" defTabSz="457200" rtl="0" eaLnBrk="1" latinLnBrk="0" hangingPunct="1">
+                  <a:defRPr sz="1800" kern="1200">
+                    <a:solidFill>
+                      <a:schemeClr val="lt1"/>
+                    </a:solidFill>
+                    <a:latin typeface="+mn-lt"/>
+                    <a:ea typeface="+mn-ea"/>
+                    <a:cs typeface="+mn-cs"/>
+                  </a:defRPr>
+                </a:lvl5pPr>
+                <a:lvl6pPr marL="2286000" algn="l" defTabSz="457200" rtl="0" eaLnBrk="1" latinLnBrk="0" hangingPunct="1">
+                  <a:defRPr sz="1800" kern="1200">
+                    <a:solidFill>
+                      <a:schemeClr val="lt1"/>
+                    </a:solidFill>
+                    <a:latin typeface="+mn-lt"/>
+                    <a:ea typeface="+mn-ea"/>
+                    <a:cs typeface="+mn-cs"/>
+                  </a:defRPr>
+                </a:lvl6pPr>
+                <a:lvl7pPr marL="2743200" algn="l" defTabSz="457200" rtl="0" eaLnBrk="1" latinLnBrk="0" hangingPunct="1">
+                  <a:defRPr sz="1800" kern="1200">
+                    <a:solidFill>
+                      <a:schemeClr val="lt1"/>
+                    </a:solidFill>
+                    <a:latin typeface="+mn-lt"/>
+                    <a:ea typeface="+mn-ea"/>
+                    <a:cs typeface="+mn-cs"/>
+                  </a:defRPr>
+                </a:lvl7pPr>
+                <a:lvl8pPr marL="3200400" algn="l" defTabSz="457200" rtl="0" eaLnBrk="1" latinLnBrk="0" hangingPunct="1">
+                  <a:defRPr sz="1800" kern="1200">
+                    <a:solidFill>
+                      <a:schemeClr val="lt1"/>
+                    </a:solidFill>
+                    <a:latin typeface="+mn-lt"/>
+                    <a:ea typeface="+mn-ea"/>
+                    <a:cs typeface="+mn-cs"/>
+                  </a:defRPr>
+                </a:lvl8pPr>
+                <a:lvl9pPr marL="3657600" algn="l" defTabSz="457200" rtl="0" eaLnBrk="1" latinLnBrk="0" hangingPunct="1">
+                  <a:defRPr sz="1800" kern="1200">
+                    <a:solidFill>
+                      <a:schemeClr val="lt1"/>
+                    </a:solidFill>
+                    <a:latin typeface="+mn-lt"/>
+                    <a:ea typeface="+mn-ea"/>
+                    <a:cs typeface="+mn-cs"/>
+                  </a:defRPr>
+                </a:lvl9pPr>
+              </a:lstStyle>
+              <a:p>
+                <a:pPr algn="ctr"/>
+                <a:r>
+                  <a:rPr kumimoji="1" lang="en-US" altLang="ja-JP" sz="2800" dirty="0">
+                    <a:solidFill>
+                      <a:schemeClr val="tx1"/>
+                    </a:solidFill>
+                  </a:rPr>
+                  <a:t>2</a:t>
+                </a:r>
+                <a:r>
+                  <a:rPr kumimoji="1" lang="ja-JP" altLang="en-US" sz="2800" dirty="0">
+                    <a:solidFill>
+                      <a:schemeClr val="tx1"/>
+                    </a:solidFill>
+                  </a:rPr>
+                  <a:t>相の相対浸透率</a:t>
+                </a:r>
+              </a:p>
+            </p:txBody>
+          </p:sp>
+        </p:grpSp>
+        <p:grpSp>
+          <p:nvGrpSpPr>
+            <p:cNvPr id="7" name="グループ化 6">
+              <a:extLst>
+                <a:ext uri="{FF2B5EF4-FFF2-40B4-BE49-F238E27FC236}">
+                  <a16:creationId xmlns:a16="http://schemas.microsoft.com/office/drawing/2014/main" id="{F4B74A04-265F-45BA-939A-A23BCC99A3C7}"/>
+                </a:ext>
+              </a:extLst>
+            </p:cNvPr>
+            <p:cNvGrpSpPr/>
+            <p:nvPr/>
+          </p:nvGrpSpPr>
+          <p:grpSpPr>
+            <a:xfrm>
+              <a:off x="1087394" y="3568847"/>
+              <a:ext cx="6969211" cy="720000"/>
+              <a:chOff x="741405" y="1940011"/>
+              <a:chExt cx="6969211" cy="951470"/>
+            </a:xfrm>
+          </p:grpSpPr>
+          <p:sp>
+            <p:nvSpPr>
+              <p:cNvPr id="11" name="正方形/長方形 10">
+                <a:extLst>
+                  <a:ext uri="{FF2B5EF4-FFF2-40B4-BE49-F238E27FC236}">
+                    <a16:creationId xmlns:a16="http://schemas.microsoft.com/office/drawing/2014/main" id="{4B7E721F-D1E1-4785-BDD0-EDB495113717}"/>
+                  </a:ext>
+                </a:extLst>
+              </p:cNvPr>
+              <p:cNvSpPr/>
+              <p:nvPr/>
+            </p:nvSpPr>
+            <p:spPr>
+              <a:xfrm>
+                <a:off x="741405" y="1940011"/>
+                <a:ext cx="852616" cy="951470"/>
+              </a:xfrm>
+              <a:prstGeom prst="rect">
+                <a:avLst/>
+              </a:prstGeom>
+            </p:spPr>
+            <p:style>
+              <a:lnRef idx="2">
+                <a:schemeClr val="accent1">
+                  <a:shade val="50000"/>
+                </a:schemeClr>
+              </a:lnRef>
+              <a:fillRef idx="1">
+                <a:schemeClr val="accent1"/>
+              </a:fillRef>
+              <a:effectRef idx="0">
+                <a:schemeClr val="accent1"/>
+              </a:effectRef>
+              <a:fontRef idx="minor">
+                <a:schemeClr val="lt1"/>
+              </a:fontRef>
+            </p:style>
+            <p:txBody>
+              <a:bodyPr rtlCol="0" anchor="ctr"/>
+              <a:lstStyle>
+                <a:defPPr>
+                  <a:defRPr lang="en-US"/>
+                </a:defPPr>
+                <a:lvl1pPr marL="0" algn="l" defTabSz="457200" rtl="0" eaLnBrk="1" latinLnBrk="0" hangingPunct="1">
+                  <a:defRPr sz="1800" kern="1200">
+                    <a:solidFill>
+                      <a:schemeClr val="lt1"/>
+                    </a:solidFill>
+                    <a:latin typeface="+mn-lt"/>
+                    <a:ea typeface="+mn-ea"/>
+                    <a:cs typeface="+mn-cs"/>
+                  </a:defRPr>
+                </a:lvl1pPr>
+                <a:lvl2pPr marL="457200" algn="l" defTabSz="457200" rtl="0" eaLnBrk="1" latinLnBrk="0" hangingPunct="1">
+                  <a:defRPr sz="1800" kern="1200">
+                    <a:solidFill>
+                      <a:schemeClr val="lt1"/>
+                    </a:solidFill>
+                    <a:latin typeface="+mn-lt"/>
+                    <a:ea typeface="+mn-ea"/>
+                    <a:cs typeface="+mn-cs"/>
+                  </a:defRPr>
+                </a:lvl2pPr>
+                <a:lvl3pPr marL="914400" algn="l" defTabSz="457200" rtl="0" eaLnBrk="1" latinLnBrk="0" hangingPunct="1">
+                  <a:defRPr sz="1800" kern="1200">
+                    <a:solidFill>
+                      <a:schemeClr val="lt1"/>
+                    </a:solidFill>
+                    <a:latin typeface="+mn-lt"/>
+                    <a:ea typeface="+mn-ea"/>
+                    <a:cs typeface="+mn-cs"/>
+                  </a:defRPr>
+                </a:lvl3pPr>
+                <a:lvl4pPr marL="1371600" algn="l" defTabSz="457200" rtl="0" eaLnBrk="1" latinLnBrk="0" hangingPunct="1">
+                  <a:defRPr sz="1800" kern="1200">
+                    <a:solidFill>
+                      <a:schemeClr val="lt1"/>
+                    </a:solidFill>
+                    <a:latin typeface="+mn-lt"/>
+                    <a:ea typeface="+mn-ea"/>
+                    <a:cs typeface="+mn-cs"/>
+                  </a:defRPr>
+                </a:lvl4pPr>
+                <a:lvl5pPr marL="1828800" algn="l" defTabSz="457200" rtl="0" eaLnBrk="1" latinLnBrk="0" hangingPunct="1">
+                  <a:defRPr sz="1800" kern="1200">
+                    <a:solidFill>
+                      <a:schemeClr val="lt1"/>
+                    </a:solidFill>
+                    <a:latin typeface="+mn-lt"/>
+                    <a:ea typeface="+mn-ea"/>
+                    <a:cs typeface="+mn-cs"/>
+                  </a:defRPr>
+                </a:lvl5pPr>
+                <a:lvl6pPr marL="2286000" algn="l" defTabSz="457200" rtl="0" eaLnBrk="1" latinLnBrk="0" hangingPunct="1">
+                  <a:defRPr sz="1800" kern="1200">
+                    <a:solidFill>
+                      <a:schemeClr val="lt1"/>
+                    </a:solidFill>
+                    <a:latin typeface="+mn-lt"/>
+                    <a:ea typeface="+mn-ea"/>
+                    <a:cs typeface="+mn-cs"/>
+                  </a:defRPr>
+                </a:lvl6pPr>
+                <a:lvl7pPr marL="2743200" algn="l" defTabSz="457200" rtl="0" eaLnBrk="1" latinLnBrk="0" hangingPunct="1">
+                  <a:defRPr sz="1800" kern="1200">
+                    <a:solidFill>
+                      <a:schemeClr val="lt1"/>
+                    </a:solidFill>
+                    <a:latin typeface="+mn-lt"/>
+                    <a:ea typeface="+mn-ea"/>
+                    <a:cs typeface="+mn-cs"/>
+                  </a:defRPr>
+                </a:lvl7pPr>
+                <a:lvl8pPr marL="3200400" algn="l" defTabSz="457200" rtl="0" eaLnBrk="1" latinLnBrk="0" hangingPunct="1">
+                  <a:defRPr sz="1800" kern="1200">
+                    <a:solidFill>
+                      <a:schemeClr val="lt1"/>
+                    </a:solidFill>
+                    <a:latin typeface="+mn-lt"/>
+                    <a:ea typeface="+mn-ea"/>
+                    <a:cs typeface="+mn-cs"/>
+                  </a:defRPr>
+                </a:lvl8pPr>
+                <a:lvl9pPr marL="3657600" algn="l" defTabSz="457200" rtl="0" eaLnBrk="1" latinLnBrk="0" hangingPunct="1">
+                  <a:defRPr sz="1800" kern="1200">
+                    <a:solidFill>
+                      <a:schemeClr val="lt1"/>
+                    </a:solidFill>
+                    <a:latin typeface="+mn-lt"/>
+                    <a:ea typeface="+mn-ea"/>
+                    <a:cs typeface="+mn-cs"/>
+                  </a:defRPr>
+                </a:lvl9pPr>
+              </a:lstStyle>
+              <a:p>
+                <a:pPr algn="ctr"/>
+                <a:r>
+                  <a:rPr kumimoji="1" lang="en-US" altLang="ja-JP" sz="3000" dirty="0"/>
+                  <a:t>3</a:t>
+                </a:r>
+                <a:endParaRPr kumimoji="1" lang="ja-JP" altLang="en-US" sz="3000" dirty="0"/>
+              </a:p>
+            </p:txBody>
+          </p:sp>
+          <p:sp>
+            <p:nvSpPr>
+              <p:cNvPr id="12" name="正方形/長方形 11">
+                <a:extLst>
+                  <a:ext uri="{FF2B5EF4-FFF2-40B4-BE49-F238E27FC236}">
+                    <a16:creationId xmlns:a16="http://schemas.microsoft.com/office/drawing/2014/main" id="{82BEB835-16AF-4FAE-BE07-E01EEB63AB4A}"/>
+                  </a:ext>
+                </a:extLst>
+              </p:cNvPr>
+              <p:cNvSpPr/>
+              <p:nvPr/>
+            </p:nvSpPr>
+            <p:spPr>
+              <a:xfrm>
+                <a:off x="1816443" y="1940011"/>
+                <a:ext cx="5894173" cy="951470"/>
+              </a:xfrm>
+              <a:prstGeom prst="rect">
+                <a:avLst/>
+              </a:prstGeom>
+              <a:noFill/>
+            </p:spPr>
+            <p:style>
+              <a:lnRef idx="2">
+                <a:schemeClr val="accent1">
+                  <a:shade val="50000"/>
+                </a:schemeClr>
+              </a:lnRef>
+              <a:fillRef idx="1">
+                <a:schemeClr val="accent1"/>
+              </a:fillRef>
+              <a:effectRef idx="0">
+                <a:schemeClr val="accent1"/>
+              </a:effectRef>
+              <a:fontRef idx="minor">
+                <a:schemeClr val="lt1"/>
+              </a:fontRef>
+            </p:style>
+            <p:txBody>
+              <a:bodyPr rtlCol="0" anchor="ctr"/>
+              <a:lstStyle>
+                <a:defPPr>
+                  <a:defRPr lang="en-US"/>
+                </a:defPPr>
+                <a:lvl1pPr marL="0" algn="l" defTabSz="457200" rtl="0" eaLnBrk="1" latinLnBrk="0" hangingPunct="1">
+                  <a:defRPr sz="1800" kern="1200">
+                    <a:solidFill>
+                      <a:schemeClr val="lt1"/>
+                    </a:solidFill>
+                    <a:latin typeface="+mn-lt"/>
+                    <a:ea typeface="+mn-ea"/>
+                    <a:cs typeface="+mn-cs"/>
+                  </a:defRPr>
+                </a:lvl1pPr>
+                <a:lvl2pPr marL="457200" algn="l" defTabSz="457200" rtl="0" eaLnBrk="1" latinLnBrk="0" hangingPunct="1">
+                  <a:defRPr sz="1800" kern="1200">
+                    <a:solidFill>
+                      <a:schemeClr val="lt1"/>
+                    </a:solidFill>
+                    <a:latin typeface="+mn-lt"/>
+                    <a:ea typeface="+mn-ea"/>
+                    <a:cs typeface="+mn-cs"/>
+                  </a:defRPr>
+                </a:lvl2pPr>
+                <a:lvl3pPr marL="914400" algn="l" defTabSz="457200" rtl="0" eaLnBrk="1" latinLnBrk="0" hangingPunct="1">
+                  <a:defRPr sz="1800" kern="1200">
+                    <a:solidFill>
+                      <a:schemeClr val="lt1"/>
+                    </a:solidFill>
+                    <a:latin typeface="+mn-lt"/>
+                    <a:ea typeface="+mn-ea"/>
+                    <a:cs typeface="+mn-cs"/>
+                  </a:defRPr>
+                </a:lvl3pPr>
+                <a:lvl4pPr marL="1371600" algn="l" defTabSz="457200" rtl="0" eaLnBrk="1" latinLnBrk="0" hangingPunct="1">
+                  <a:defRPr sz="1800" kern="1200">
+                    <a:solidFill>
+                      <a:schemeClr val="lt1"/>
+                    </a:solidFill>
+                    <a:latin typeface="+mn-lt"/>
+                    <a:ea typeface="+mn-ea"/>
+                    <a:cs typeface="+mn-cs"/>
+                  </a:defRPr>
+                </a:lvl4pPr>
+                <a:lvl5pPr marL="1828800" algn="l" defTabSz="457200" rtl="0" eaLnBrk="1" latinLnBrk="0" hangingPunct="1">
+                  <a:defRPr sz="1800" kern="1200">
+                    <a:solidFill>
+                      <a:schemeClr val="lt1"/>
+                    </a:solidFill>
+                    <a:latin typeface="+mn-lt"/>
+                    <a:ea typeface="+mn-ea"/>
+                    <a:cs typeface="+mn-cs"/>
+                  </a:defRPr>
+                </a:lvl5pPr>
+                <a:lvl6pPr marL="2286000" algn="l" defTabSz="457200" rtl="0" eaLnBrk="1" latinLnBrk="0" hangingPunct="1">
+                  <a:defRPr sz="1800" kern="1200">
+                    <a:solidFill>
+                      <a:schemeClr val="lt1"/>
+                    </a:solidFill>
+                    <a:latin typeface="+mn-lt"/>
+                    <a:ea typeface="+mn-ea"/>
+                    <a:cs typeface="+mn-cs"/>
+                  </a:defRPr>
+                </a:lvl6pPr>
+                <a:lvl7pPr marL="2743200" algn="l" defTabSz="457200" rtl="0" eaLnBrk="1" latinLnBrk="0" hangingPunct="1">
+                  <a:defRPr sz="1800" kern="1200">
+                    <a:solidFill>
+                      <a:schemeClr val="lt1"/>
+                    </a:solidFill>
+                    <a:latin typeface="+mn-lt"/>
+                    <a:ea typeface="+mn-ea"/>
+                    <a:cs typeface="+mn-cs"/>
+                  </a:defRPr>
+                </a:lvl7pPr>
+                <a:lvl8pPr marL="3200400" algn="l" defTabSz="457200" rtl="0" eaLnBrk="1" latinLnBrk="0" hangingPunct="1">
+                  <a:defRPr sz="1800" kern="1200">
+                    <a:solidFill>
+                      <a:schemeClr val="lt1"/>
+                    </a:solidFill>
+                    <a:latin typeface="+mn-lt"/>
+                    <a:ea typeface="+mn-ea"/>
+                    <a:cs typeface="+mn-cs"/>
+                  </a:defRPr>
+                </a:lvl8pPr>
+                <a:lvl9pPr marL="3657600" algn="l" defTabSz="457200" rtl="0" eaLnBrk="1" latinLnBrk="0" hangingPunct="1">
+                  <a:defRPr sz="1800" kern="1200">
+                    <a:solidFill>
+                      <a:schemeClr val="lt1"/>
+                    </a:solidFill>
+                    <a:latin typeface="+mn-lt"/>
+                    <a:ea typeface="+mn-ea"/>
+                    <a:cs typeface="+mn-cs"/>
+                  </a:defRPr>
+                </a:lvl9pPr>
+              </a:lstStyle>
+              <a:p>
+                <a:pPr algn="ctr"/>
+                <a:r>
+                  <a:rPr kumimoji="1" lang="en-US" altLang="ja-JP" sz="2800" dirty="0">
+                    <a:solidFill>
+                      <a:schemeClr val="tx1"/>
+                    </a:solidFill>
+                  </a:rPr>
+                  <a:t>3</a:t>
+                </a:r>
+                <a:r>
+                  <a:rPr kumimoji="1" lang="ja-JP" altLang="en-US" sz="2800" dirty="0">
+                    <a:solidFill>
+                      <a:schemeClr val="tx1"/>
+                    </a:solidFill>
+                  </a:rPr>
+                  <a:t>相の相対浸透率</a:t>
+                </a:r>
+              </a:p>
+            </p:txBody>
+          </p:sp>
+        </p:grpSp>
+      </p:grpSp>
+      <p:sp>
+        <p:nvSpPr>
+          <p:cNvPr id="15" name="正方形/長方形 14">
+            <a:extLst>
+              <a:ext uri="{FF2B5EF4-FFF2-40B4-BE49-F238E27FC236}">
+                <a16:creationId xmlns:a16="http://schemas.microsoft.com/office/drawing/2014/main" id="{D0ACC584-C506-49B4-8EA9-D71BBF437945}"/>
+              </a:ext>
+            </a:extLst>
+          </p:cNvPr>
+          <p:cNvSpPr/>
+          <p:nvPr/>
+        </p:nvSpPr>
+        <p:spPr>
+          <a:xfrm>
+            <a:off x="628650" y="2919933"/>
+            <a:ext cx="7886700" cy="2309119"/>
+          </a:xfrm>
+          <a:prstGeom prst="rect">
+            <a:avLst/>
+          </a:prstGeom>
+          <a:solidFill>
+            <a:srgbClr val="FFFFFF">
+              <a:alpha val="89804"/>
+            </a:srgbClr>
+          </a:solidFill>
+          <a:ln>
+            <a:noFill/>
+          </a:ln>
+        </p:spPr>
+        <p:style>
+          <a:lnRef idx="2">
+            <a:schemeClr val="accent1">
+              <a:shade val="50000"/>
+            </a:schemeClr>
+          </a:lnRef>
+          <a:fillRef idx="1">
+            <a:schemeClr val="accent1"/>
+          </a:fillRef>
+          <a:effectRef idx="0">
+            <a:schemeClr val="accent1"/>
+          </a:effectRef>
+          <a:fontRef idx="minor">
+            <a:schemeClr val="lt1"/>
+          </a:fontRef>
+        </p:style>
+        <p:txBody>
+          <a:bodyPr rtlCol="0" anchor="ctr"/>
+          <a:lstStyle/>
+          <a:p>
+            <a:pPr algn="ctr"/>
+            <a:endParaRPr kumimoji="1" lang="ja-JP" altLang="en-US"/>
+          </a:p>
+        </p:txBody>
+      </p:sp>
+    </p:spTree>
+    <p:extLst>
+      <p:ext uri="{BB962C8B-B14F-4D97-AF65-F5344CB8AC3E}">
+        <p14:creationId xmlns:p14="http://schemas.microsoft.com/office/powerpoint/2010/main" val="3908376362"/>
+      </p:ext>
+    </p:extLst>
+  </p:cSld>
+  <p:clrMapOvr>
+    <a:masterClrMapping/>
+  </p:clrMapOvr>
+</p:sld>
+</file>
+
+<file path=ppt/slides/slide4.xml><?xml version="1.0" encoding="utf-8"?>
+<p:sld xmlns:a="http://schemas.openxmlformats.org/drawingml/2006/main" xmlns:r="http://schemas.openxmlformats.org/officeDocument/2006/relationships" xmlns:p="http://schemas.openxmlformats.org/presentationml/2006/main">
+  <p:cSld>
+    <p:spTree>
+      <p:nvGrpSpPr>
+        <p:cNvPr id="1" name=""/>
+        <p:cNvGrpSpPr/>
+        <p:nvPr/>
+      </p:nvGrpSpPr>
+      <p:grpSpPr>
+        <a:xfrm>
+          <a:off x="0" y="0"/>
+          <a:ext cx="0" cy="0"/>
+          <a:chOff x="0" y="0"/>
+          <a:chExt cx="0" cy="0"/>
+        </a:xfrm>
+      </p:grpSpPr>
+      <p:sp>
+        <p:nvSpPr>
+          <p:cNvPr id="2" name="タイトル 1">
+            <a:extLst>
+              <a:ext uri="{FF2B5EF4-FFF2-40B4-BE49-F238E27FC236}">
+                <a16:creationId xmlns:a16="http://schemas.microsoft.com/office/drawing/2014/main" id="{D54DC1C0-6CFA-4C6F-892A-8DBEA9CC7F31}"/>
+              </a:ext>
+            </a:extLst>
+          </p:cNvPr>
+          <p:cNvSpPr>
+            <a:spLocks noGrp="1"/>
+          </p:cNvSpPr>
+          <p:nvPr>
+            <p:ph type="title"/>
+          </p:nvPr>
+        </p:nvSpPr>
+        <p:spPr/>
+        <p:txBody>
+          <a:bodyPr/>
+          <a:lstStyle/>
+          <a:p>
+            <a:r>
+              <a:rPr lang="ja-JP" altLang="en-US" dirty="0"/>
+              <a:t>絶対浸透率とダルシー則</a:t>
+            </a:r>
+            <a:endParaRPr kumimoji="1" lang="ja-JP" altLang="en-US" dirty="0"/>
+          </a:p>
+        </p:txBody>
+      </p:sp>
+      <mc:AlternateContent xmlns:mc="http://schemas.openxmlformats.org/markup-compatibility/2006" xmlns:a14="http://schemas.microsoft.com/office/drawing/2010/main">
+        <mc:Choice Requires="a14">
+          <p:sp>
+            <p:nvSpPr>
+              <p:cNvPr id="3" name="コンテンツ プレースホルダー 2">
+                <a:extLst>
+                  <a:ext uri="{FF2B5EF4-FFF2-40B4-BE49-F238E27FC236}">
+                    <a16:creationId xmlns:a16="http://schemas.microsoft.com/office/drawing/2014/main" id="{11B0A6BC-D666-459A-B184-5A9965F0A16A}"/>
+                  </a:ext>
+                </a:extLst>
+              </p:cNvPr>
+              <p:cNvSpPr>
+                <a:spLocks noGrp="1"/>
+              </p:cNvSpPr>
+              <p:nvPr>
+                <p:ph idx="1"/>
+              </p:nvPr>
+            </p:nvSpPr>
+            <p:spPr>
+              <a:xfrm>
+                <a:off x="628650" y="1498387"/>
+                <a:ext cx="7886700" cy="4678576"/>
+              </a:xfrm>
+            </p:spPr>
+            <p:txBody>
+              <a:bodyPr/>
+              <a:lstStyle/>
+              <a:p>
+                <a:pPr marL="0" indent="0">
+                  <a:buNone/>
+                </a:pPr>
+                <a14:m>
+                  <m:oMathPara xmlns:m="http://schemas.openxmlformats.org/officeDocument/2006/math">
+                    <m:oMathParaPr>
+                      <m:jc m:val="centerGroup"/>
+                    </m:oMathParaPr>
+                    <m:oMath xmlns:m="http://schemas.openxmlformats.org/officeDocument/2006/math">
+                      <m:r>
+                        <m:rPr>
+                          <m:sty m:val="p"/>
+                        </m:rPr>
+                        <a:rPr lang="en-US" altLang="ja-JP" sz="2400" b="1" i="1" u="none" strike="noStrike" kern="1200" cap="none" spc="0" normalizeH="0" baseline="0" noProof="0" dirty="0" smtClean="0">
+                          <a:ln>
+                            <a:noFill/>
+                          </a:ln>
+                          <a:solidFill>
+                            <a:prstClr val="black"/>
+                          </a:solidFill>
+                          <a:effectLst/>
+                          <a:uLnTx/>
+                          <a:uFillTx/>
+                          <a:latin typeface="Cambria Math" panose="02040503050406030204" pitchFamily="18" charset="0"/>
+                          <a:cs typeface="+mn-cs"/>
+                        </a:rPr>
+                        <m:t>Q</m:t>
+                      </m:r>
+                      <m:r>
+                        <a:rPr kumimoji="1" lang="en-US" altLang="ja-JP" sz="2400" b="0" i="1" u="none" strike="noStrike" kern="1200" cap="none" spc="0" normalizeH="0" baseline="0" noProof="0" smtClean="0">
+                          <a:ln>
+                            <a:noFill/>
+                          </a:ln>
+                          <a:solidFill>
+                            <a:prstClr val="black"/>
+                          </a:solidFill>
+                          <a:effectLst/>
+                          <a:uLnTx/>
+                          <a:uFillTx/>
+                          <a:latin typeface="Cambria Math" panose="02040503050406030204" pitchFamily="18" charset="0"/>
+                          <a:cs typeface="+mn-cs"/>
+                        </a:rPr>
+                        <m:t>=−</m:t>
+                      </m:r>
+                      <m:f>
+                        <m:fPr>
+                          <m:ctrlPr>
+                            <a:rPr kumimoji="1" lang="en-US" altLang="ja-JP" sz="2400" b="0" i="1" u="none" strike="noStrike" kern="1200" cap="none" spc="0" normalizeH="0" baseline="0" noProof="0" smtClean="0">
+                              <a:ln>
+                                <a:noFill/>
+                              </a:ln>
+                              <a:solidFill>
+                                <a:prstClr val="black"/>
+                              </a:solidFill>
+                              <a:effectLst/>
+                              <a:uLnTx/>
+                              <a:uFillTx/>
+                              <a:latin typeface="Cambria Math" panose="02040503050406030204" pitchFamily="18" charset="0"/>
+                              <a:cs typeface="+mn-cs"/>
+                            </a:rPr>
+                          </m:ctrlPr>
+                        </m:fPr>
+                        <m:num>
+                          <m:r>
+                            <a:rPr kumimoji="1" lang="en-US" altLang="ja-JP" sz="2400" b="0" i="1" u="none" strike="noStrike" kern="1200" cap="none" spc="0" normalizeH="0" baseline="0" noProof="0" smtClean="0">
+                              <a:ln>
+                                <a:noFill/>
+                              </a:ln>
+                              <a:solidFill>
+                                <a:prstClr val="black"/>
+                              </a:solidFill>
+                              <a:effectLst/>
+                              <a:uLnTx/>
+                              <a:uFillTx/>
+                              <a:latin typeface="Cambria Math" panose="02040503050406030204" pitchFamily="18" charset="0"/>
+                              <a:cs typeface="+mn-cs"/>
+                            </a:rPr>
+                            <m:t>𝑘</m:t>
+                          </m:r>
+                          <m:r>
+                            <a:rPr lang="en-US" altLang="ja-JP" sz="2400" i="1">
+                              <a:solidFill>
+                                <a:prstClr val="black"/>
+                              </a:solidFill>
+                              <a:latin typeface="Cambria Math" panose="02040503050406030204" pitchFamily="18" charset="0"/>
+                            </a:rPr>
+                            <m:t>𝐴</m:t>
+                          </m:r>
+                        </m:num>
+                        <m:den>
+                          <m:sSub>
+                            <m:sSubPr>
+                              <m:ctrlPr>
+                                <a:rPr kumimoji="1" lang="en-US" altLang="ja-JP" sz="2400" b="0" i="1" u="none" strike="noStrike" kern="1200" cap="none" spc="0" normalizeH="0" baseline="0" noProof="0" smtClean="0">
+                                  <a:ln>
+                                    <a:noFill/>
+                                  </a:ln>
+                                  <a:solidFill>
+                                    <a:prstClr val="black"/>
+                                  </a:solidFill>
+                                  <a:effectLst/>
+                                  <a:uLnTx/>
+                                  <a:uFillTx/>
+                                  <a:latin typeface="Cambria Math" panose="02040503050406030204" pitchFamily="18" charset="0"/>
+                                  <a:cs typeface="+mn-cs"/>
+                                </a:rPr>
+                              </m:ctrlPr>
+                            </m:sSubPr>
+                            <m:e>
+                              <m:r>
+                                <a:rPr kumimoji="1" lang="ja-JP" altLang="en-US" sz="2400" b="0" i="1" u="none" strike="noStrike" kern="1200" cap="none" spc="0" normalizeH="0" baseline="0" noProof="0" smtClean="0">
+                                  <a:ln>
+                                    <a:noFill/>
+                                  </a:ln>
+                                  <a:solidFill>
+                                    <a:prstClr val="black"/>
+                                  </a:solidFill>
+                                  <a:effectLst/>
+                                  <a:uLnTx/>
+                                  <a:uFillTx/>
+                                  <a:latin typeface="Cambria Math" panose="02040503050406030204" pitchFamily="18" charset="0"/>
+                                  <a:cs typeface="+mn-cs"/>
+                                </a:rPr>
+                                <m:t>𝜇</m:t>
+                              </m:r>
+                            </m:e>
+                            <m:sub>
+                              <m:r>
+                                <a:rPr kumimoji="1" lang="en-US" altLang="ja-JP" sz="2400" b="0" i="1" u="none" strike="noStrike" kern="1200" cap="none" spc="0" normalizeH="0" baseline="0" noProof="0" smtClean="0">
+                                  <a:ln>
+                                    <a:noFill/>
+                                  </a:ln>
+                                  <a:solidFill>
+                                    <a:prstClr val="black"/>
+                                  </a:solidFill>
+                                  <a:effectLst/>
+                                  <a:uLnTx/>
+                                  <a:uFillTx/>
+                                  <a:latin typeface="Cambria Math" panose="02040503050406030204" pitchFamily="18" charset="0"/>
+                                  <a:cs typeface="+mn-cs"/>
+                                </a:rPr>
+                                <m:t>𝑤</m:t>
+                              </m:r>
+                            </m:sub>
+                          </m:sSub>
+                        </m:den>
+                      </m:f>
+                      <m:f>
+                        <m:fPr>
+                          <m:ctrlPr>
+                            <a:rPr kumimoji="1" lang="en-US" altLang="ja-JP" sz="2400" b="0" i="1" u="none" strike="noStrike" kern="1200" cap="none" spc="0" normalizeH="0" baseline="0" noProof="0" smtClean="0">
+                              <a:ln>
+                                <a:noFill/>
+                              </a:ln>
+                              <a:solidFill>
+                                <a:prstClr val="black"/>
+                              </a:solidFill>
+                              <a:effectLst/>
+                              <a:uLnTx/>
+                              <a:uFillTx/>
+                              <a:latin typeface="Cambria Math" panose="02040503050406030204" pitchFamily="18" charset="0"/>
+                              <a:cs typeface="+mn-cs"/>
+                            </a:rPr>
+                          </m:ctrlPr>
+                        </m:fPr>
+                        <m:num>
+                          <m:r>
+                            <a:rPr lang="en-US" altLang="ja-JP" sz="2400" i="1">
+                              <a:solidFill>
+                                <a:prstClr val="black"/>
+                              </a:solidFill>
+                              <a:latin typeface="Cambria Math" panose="02040503050406030204" pitchFamily="18" charset="0"/>
+                              <a:ea typeface="Cambria Math" panose="02040503050406030204" pitchFamily="18" charset="0"/>
+                            </a:rPr>
+                            <m:t>∆</m:t>
+                          </m:r>
+                          <m:r>
+                            <a:rPr lang="en-US" altLang="ja-JP" sz="2400" i="1" smtClean="0">
+                              <a:solidFill>
+                                <a:prstClr val="black"/>
+                              </a:solidFill>
+                              <a:latin typeface="Cambria Math" panose="02040503050406030204" pitchFamily="18" charset="0"/>
+                              <a:ea typeface="Cambria Math" panose="02040503050406030204" pitchFamily="18" charset="0"/>
+                            </a:rPr>
+                            <m:t>𝑃</m:t>
+                          </m:r>
+                        </m:num>
+                        <m:den>
+                          <m:r>
+                            <a:rPr lang="en-US" altLang="ja-JP" sz="2400" i="1">
+                              <a:solidFill>
+                                <a:prstClr val="black"/>
+                              </a:solidFill>
+                              <a:latin typeface="Cambria Math" panose="02040503050406030204" pitchFamily="18" charset="0"/>
+                              <a:ea typeface="Cambria Math" panose="02040503050406030204" pitchFamily="18" charset="0"/>
+                            </a:rPr>
+                            <m:t>∆</m:t>
+                          </m:r>
+                          <m:r>
+                            <a:rPr lang="en-US" altLang="ja-JP" sz="2400" b="0" i="1" smtClean="0">
+                              <a:solidFill>
+                                <a:prstClr val="black"/>
+                              </a:solidFill>
+                              <a:latin typeface="Cambria Math" panose="02040503050406030204" pitchFamily="18" charset="0"/>
+                              <a:ea typeface="Cambria Math" panose="02040503050406030204" pitchFamily="18" charset="0"/>
+                            </a:rPr>
+                            <m:t>𝐿</m:t>
+                          </m:r>
+                        </m:den>
+                      </m:f>
+                      <m:r>
+                        <a:rPr kumimoji="1" lang="en-US" altLang="ja-JP" sz="2400" b="0" i="1" u="none" strike="noStrike" kern="1200" cap="none" spc="0" normalizeH="0" baseline="0" noProof="0" smtClean="0">
+                          <a:ln>
+                            <a:noFill/>
+                          </a:ln>
+                          <a:solidFill>
+                            <a:prstClr val="black"/>
+                          </a:solidFill>
+                          <a:effectLst/>
+                          <a:uLnTx/>
+                          <a:uFillTx/>
+                          <a:latin typeface="Cambria Math" panose="02040503050406030204" pitchFamily="18" charset="0"/>
+                          <a:cs typeface="+mn-cs"/>
+                        </a:rPr>
+                        <m:t> </m:t>
+                      </m:r>
+                    </m:oMath>
+                  </m:oMathPara>
+                </a14:m>
+                <a:endParaRPr kumimoji="1" lang="en-US" altLang="ja-JP" dirty="0"/>
+              </a:p>
+              <a:p>
+                <a:pPr marL="0" indent="0">
+                  <a:buNone/>
+                </a:pPr>
+                <a:r>
+                  <a:rPr lang="ja-JP" altLang="en-US" dirty="0"/>
+                  <a:t>コア試験では，断面積，粘性係数，試料の長さは既知</a:t>
+                </a:r>
+                <a:endParaRPr lang="en-US" altLang="ja-JP" dirty="0"/>
+              </a:p>
+              <a:p>
+                <a:pPr marL="0" indent="0">
+                  <a:buNone/>
+                </a:pPr>
+                <a:r>
+                  <a:rPr kumimoji="1" lang="ja-JP" altLang="en-US" dirty="0"/>
+                  <a:t>→ 差圧と流量は比例し，その</a:t>
+                </a:r>
+                <a:r>
+                  <a:rPr kumimoji="1" lang="ja-JP" altLang="en-US" b="1" dirty="0">
+                    <a:solidFill>
+                      <a:srgbClr val="FF0000"/>
+                    </a:solidFill>
+                  </a:rPr>
+                  <a:t>比例係数が絶対浸透率</a:t>
+                </a:r>
+                <a:r>
+                  <a:rPr kumimoji="1" lang="ja-JP" altLang="en-US" dirty="0"/>
+                  <a:t>（粘性の圧力依存</a:t>
+                </a:r>
+                <a:r>
+                  <a:rPr lang="ja-JP" altLang="en-US" dirty="0"/>
+                  <a:t>を無視した場合</a:t>
+                </a:r>
+                <a:r>
+                  <a:rPr kumimoji="1" lang="ja-JP" altLang="en-US" dirty="0"/>
+                  <a:t>）</a:t>
+                </a:r>
+                <a:endParaRPr kumimoji="1" lang="en-US" altLang="ja-JP" dirty="0"/>
+              </a:p>
+              <a:p>
+                <a:pPr marL="0" indent="0">
+                  <a:buNone/>
+                </a:pPr>
+                <a:endParaRPr kumimoji="1" lang="ja-JP" altLang="en-US" dirty="0"/>
+              </a:p>
+            </p:txBody>
+          </p:sp>
+        </mc:Choice>
+        <mc:Fallback xmlns="">
+          <p:sp>
+            <p:nvSpPr>
+              <p:cNvPr id="3" name="コンテンツ プレースホルダー 2">
+                <a:extLst>
+                  <a:ext uri="{FF2B5EF4-FFF2-40B4-BE49-F238E27FC236}">
+                    <a16:creationId xmlns:a16="http://schemas.microsoft.com/office/drawing/2014/main" id="{11B0A6BC-D666-459A-B184-5A9965F0A16A}"/>
+                  </a:ext>
+                </a:extLst>
+              </p:cNvPr>
+              <p:cNvSpPr>
+                <a:spLocks noGrp="1" noRot="1" noChangeAspect="1" noMove="1" noResize="1" noEditPoints="1" noAdjustHandles="1" noChangeArrowheads="1" noChangeShapeType="1" noTextEdit="1"/>
+              </p:cNvSpPr>
+              <p:nvPr>
+                <p:ph idx="1"/>
+              </p:nvPr>
+            </p:nvSpPr>
+            <p:spPr>
+              <a:xfrm>
+                <a:off x="628650" y="1498387"/>
+                <a:ext cx="7886700" cy="4678576"/>
+              </a:xfrm>
+              <a:blipFill>
+                <a:blip r:embed="rId3"/>
+                <a:stretch>
+                  <a:fillRect l="-1005"/>
+                </a:stretch>
+              </a:blipFill>
+            </p:spPr>
+            <p:txBody>
+              <a:bodyPr/>
+              <a:lstStyle/>
+              <a:p>
+                <a:r>
+                  <a:rPr lang="ja-JP" altLang="en-US">
+                    <a:noFill/>
+                  </a:rPr>
+                  <a:t> </a:t>
+                </a:r>
+              </a:p>
+            </p:txBody>
+          </p:sp>
+        </mc:Fallback>
+      </mc:AlternateContent>
+      <p:grpSp>
+        <p:nvGrpSpPr>
+          <p:cNvPr id="12" name="グループ化 11">
+            <a:extLst>
+              <a:ext uri="{FF2B5EF4-FFF2-40B4-BE49-F238E27FC236}">
+                <a16:creationId xmlns:a16="http://schemas.microsoft.com/office/drawing/2014/main" id="{54EF8C2F-7E5A-4CD9-A7F3-E74B4E42CCBC}"/>
+              </a:ext>
+            </a:extLst>
+          </p:cNvPr>
+          <p:cNvGrpSpPr/>
+          <p:nvPr/>
+        </p:nvGrpSpPr>
+        <p:grpSpPr>
+          <a:xfrm>
+            <a:off x="3309261" y="4025001"/>
+            <a:ext cx="4792273" cy="2556337"/>
+            <a:chOff x="3024951" y="4209418"/>
+            <a:chExt cx="4792273" cy="2556337"/>
+          </a:xfrm>
+        </p:grpSpPr>
+        <p:sp>
+          <p:nvSpPr>
+            <p:cNvPr id="4" name="フローチャート: 磁気ディスク 3">
+              <a:extLst>
+                <a:ext uri="{FF2B5EF4-FFF2-40B4-BE49-F238E27FC236}">
+                  <a16:creationId xmlns:a16="http://schemas.microsoft.com/office/drawing/2014/main" id="{4EBB8DAE-5E0E-407A-BFEA-B8C2D95E483A}"/>
+                </a:ext>
+              </a:extLst>
+            </p:cNvPr>
+            <p:cNvSpPr/>
+            <p:nvPr/>
+          </p:nvSpPr>
+          <p:spPr>
+            <a:xfrm rot="16200000">
+              <a:off x="5037767" y="3704048"/>
+              <a:ext cx="1750204" cy="3634545"/>
+            </a:xfrm>
+            <a:prstGeom prst="flowChartMagneticDisk">
+              <a:avLst/>
+            </a:prstGeom>
+            <a:blipFill>
+              <a:blip r:embed="rId4"/>
+              <a:tile tx="0" ty="0" sx="100000" sy="100000" flip="none" algn="tl"/>
+            </a:blipFill>
+            <a:ln>
+              <a:solidFill>
+                <a:schemeClr val="tx1"/>
+              </a:solidFill>
+            </a:ln>
+          </p:spPr>
+          <p:style>
+            <a:lnRef idx="2">
+              <a:schemeClr val="accent1">
+                <a:shade val="50000"/>
+              </a:schemeClr>
+            </a:lnRef>
+            <a:fillRef idx="1">
+              <a:schemeClr val="accent1"/>
+            </a:fillRef>
+            <a:effectRef idx="0">
+              <a:schemeClr val="accent1"/>
+            </a:effectRef>
+            <a:fontRef idx="minor">
+              <a:schemeClr val="lt1"/>
+            </a:fontRef>
+          </p:style>
+          <p:txBody>
+            <a:bodyPr rtlCol="0" anchor="ctr"/>
+            <a:lstStyle/>
+            <a:p>
+              <a:pPr algn="ctr"/>
+              <a:endParaRPr kumimoji="1" lang="ja-JP" altLang="en-US"/>
+            </a:p>
+          </p:txBody>
+        </p:sp>
+        <p:sp>
+          <p:nvSpPr>
+            <p:cNvPr id="7" name="テキスト ボックス 6">
+              <a:extLst>
+                <a:ext uri="{FF2B5EF4-FFF2-40B4-BE49-F238E27FC236}">
+                  <a16:creationId xmlns:a16="http://schemas.microsoft.com/office/drawing/2014/main" id="{C1243C07-084D-441A-A026-305CD7CD9533}"/>
+                </a:ext>
+              </a:extLst>
+            </p:cNvPr>
+            <p:cNvSpPr txBox="1"/>
+            <p:nvPr/>
+          </p:nvSpPr>
+          <p:spPr>
+            <a:xfrm>
+              <a:off x="3930383" y="6396423"/>
+              <a:ext cx="1283234" cy="369332"/>
+            </a:xfrm>
+            <a:prstGeom prst="rect">
+              <a:avLst/>
+            </a:prstGeom>
+            <a:noFill/>
+          </p:spPr>
+          <p:txBody>
+            <a:bodyPr wrap="square" rtlCol="0">
+              <a:spAutoFit/>
+            </a:bodyPr>
+            <a:lstStyle/>
+            <a:p>
+              <a:pPr algn="ctr"/>
+              <a:r>
+                <a:rPr kumimoji="1" lang="ja-JP" altLang="en-US" dirty="0"/>
+                <a:t>上流圧力</a:t>
+              </a:r>
+            </a:p>
+          </p:txBody>
+        </p:sp>
+        <p:sp>
+          <p:nvSpPr>
+            <p:cNvPr id="8" name="テキスト ボックス 7">
+              <a:extLst>
+                <a:ext uri="{FF2B5EF4-FFF2-40B4-BE49-F238E27FC236}">
+                  <a16:creationId xmlns:a16="http://schemas.microsoft.com/office/drawing/2014/main" id="{FA519E9E-765A-43B5-BA3E-67B3F7329DCC}"/>
+                </a:ext>
+              </a:extLst>
+            </p:cNvPr>
+            <p:cNvSpPr txBox="1"/>
+            <p:nvPr/>
+          </p:nvSpPr>
+          <p:spPr>
+            <a:xfrm>
+              <a:off x="6533990" y="6396423"/>
+              <a:ext cx="1283234" cy="369332"/>
+            </a:xfrm>
+            <a:prstGeom prst="rect">
+              <a:avLst/>
+            </a:prstGeom>
+            <a:noFill/>
+          </p:spPr>
+          <p:txBody>
+            <a:bodyPr wrap="square" rtlCol="0">
+              <a:spAutoFit/>
+            </a:bodyPr>
+            <a:lstStyle/>
+            <a:p>
+              <a:pPr algn="ctr"/>
+              <a:r>
+                <a:rPr kumimoji="1" lang="ja-JP" altLang="en-US" dirty="0"/>
+                <a:t>下流圧力</a:t>
+              </a:r>
+            </a:p>
+          </p:txBody>
+        </p:sp>
+        <p:sp>
+          <p:nvSpPr>
+            <p:cNvPr id="11" name="左大かっこ 10">
+              <a:extLst>
+                <a:ext uri="{FF2B5EF4-FFF2-40B4-BE49-F238E27FC236}">
+                  <a16:creationId xmlns:a16="http://schemas.microsoft.com/office/drawing/2014/main" id="{36A0B6E0-BCE5-462A-A30B-F6BB10FA26F8}"/>
+                </a:ext>
+              </a:extLst>
+            </p:cNvPr>
+            <p:cNvSpPr/>
+            <p:nvPr/>
+          </p:nvSpPr>
+          <p:spPr>
+            <a:xfrm rot="5400000">
+              <a:off x="5894658" y="3280745"/>
+              <a:ext cx="152214" cy="2409684"/>
+            </a:xfrm>
+            <a:prstGeom prst="leftBracket">
+              <a:avLst/>
+            </a:prstGeom>
+            <a:ln w="28575"/>
+          </p:spPr>
+          <p:style>
+            <a:lnRef idx="1">
+              <a:schemeClr val="dk1"/>
+            </a:lnRef>
+            <a:fillRef idx="0">
+              <a:schemeClr val="dk1"/>
+            </a:fillRef>
+            <a:effectRef idx="0">
+              <a:schemeClr val="dk1"/>
+            </a:effectRef>
+            <a:fontRef idx="minor">
+              <a:schemeClr val="tx1"/>
+            </a:fontRef>
+          </p:style>
+          <p:txBody>
+            <a:bodyPr rtlCol="0" anchor="ctr"/>
+            <a:lstStyle/>
+            <a:p>
+              <a:pPr algn="ctr"/>
+              <a:endParaRPr kumimoji="1" lang="ja-JP" altLang="en-US"/>
+            </a:p>
+          </p:txBody>
+        </p:sp>
+        <p:sp>
+          <p:nvSpPr>
+            <p:cNvPr id="9" name="テキスト ボックス 8">
+              <a:extLst>
+                <a:ext uri="{FF2B5EF4-FFF2-40B4-BE49-F238E27FC236}">
+                  <a16:creationId xmlns:a16="http://schemas.microsoft.com/office/drawing/2014/main" id="{7D89BF1D-BD37-443A-BF4E-4993E3A5869F}"/>
+                </a:ext>
+              </a:extLst>
+            </p:cNvPr>
+            <p:cNvSpPr txBox="1"/>
+            <p:nvPr/>
+          </p:nvSpPr>
+          <p:spPr>
+            <a:xfrm>
+              <a:off x="3024951" y="5073159"/>
+              <a:ext cx="983563" cy="870495"/>
+            </a:xfrm>
+            <a:prstGeom prst="rect">
+              <a:avLst/>
+            </a:prstGeom>
+            <a:noFill/>
+          </p:spPr>
+          <p:txBody>
+            <a:bodyPr wrap="square" rtlCol="0">
+              <a:spAutoFit/>
+            </a:bodyPr>
+            <a:lstStyle/>
+            <a:p>
+              <a:pPr algn="ctr">
+                <a:lnSpc>
+                  <a:spcPct val="150000"/>
+                </a:lnSpc>
+              </a:pPr>
+              <a:r>
+                <a:rPr kumimoji="1" lang="ja-JP" altLang="en-US" dirty="0"/>
+                <a:t>断面積</a:t>
+              </a:r>
+              <a:endParaRPr kumimoji="1" lang="en-US" altLang="ja-JP" dirty="0"/>
+            </a:p>
+            <a:p>
+              <a:pPr algn="ctr">
+                <a:lnSpc>
+                  <a:spcPct val="150000"/>
+                </a:lnSpc>
+              </a:pPr>
+              <a:r>
+                <a:rPr kumimoji="1" lang="ja-JP" altLang="en-US" dirty="0"/>
+                <a:t>流量</a:t>
+              </a:r>
+            </a:p>
+          </p:txBody>
+        </p:sp>
+        <p:sp>
+          <p:nvSpPr>
+            <p:cNvPr id="10" name="テキスト ボックス 9">
+              <a:extLst>
+                <a:ext uri="{FF2B5EF4-FFF2-40B4-BE49-F238E27FC236}">
+                  <a16:creationId xmlns:a16="http://schemas.microsoft.com/office/drawing/2014/main" id="{F4FDC963-867E-42E5-ADFF-05F36ADC590B}"/>
+                </a:ext>
+              </a:extLst>
+            </p:cNvPr>
+            <p:cNvSpPr txBox="1"/>
+            <p:nvPr/>
+          </p:nvSpPr>
+          <p:spPr>
+            <a:xfrm>
+              <a:off x="5478983" y="4209418"/>
+              <a:ext cx="983563" cy="369332"/>
+            </a:xfrm>
+            <a:prstGeom prst="rect">
+              <a:avLst/>
+            </a:prstGeom>
+            <a:solidFill>
+              <a:schemeClr val="bg1"/>
+            </a:solidFill>
+          </p:spPr>
+          <p:txBody>
+            <a:bodyPr wrap="square" rtlCol="0">
+              <a:spAutoFit/>
+            </a:bodyPr>
+            <a:lstStyle/>
+            <a:p>
+              <a:pPr algn="ctr"/>
+              <a:r>
+                <a:rPr kumimoji="1" lang="ja-JP" altLang="en-US" dirty="0"/>
+                <a:t>コア長さ</a:t>
+              </a:r>
+            </a:p>
+          </p:txBody>
+        </p:sp>
+      </p:grpSp>
+      <p:sp>
+        <p:nvSpPr>
+          <p:cNvPr id="13" name="矢印: 右 12">
+            <a:extLst>
+              <a:ext uri="{FF2B5EF4-FFF2-40B4-BE49-F238E27FC236}">
+                <a16:creationId xmlns:a16="http://schemas.microsoft.com/office/drawing/2014/main" id="{3DE85C30-379E-4F3E-A6F1-0FCC4D5D61F6}"/>
+              </a:ext>
+            </a:extLst>
+          </p:cNvPr>
+          <p:cNvSpPr/>
+          <p:nvPr/>
+        </p:nvSpPr>
+        <p:spPr>
+          <a:xfrm>
+            <a:off x="4214693" y="5175811"/>
+            <a:ext cx="580144" cy="334256"/>
+          </a:xfrm>
+          <a:prstGeom prst="rightArrow">
+            <a:avLst/>
+          </a:prstGeom>
+          <a:solidFill>
+            <a:schemeClr val="bg1"/>
+          </a:solidFill>
+        </p:spPr>
+        <p:style>
+          <a:lnRef idx="2">
+            <a:schemeClr val="accent1">
+              <a:shade val="50000"/>
+            </a:schemeClr>
+          </a:lnRef>
+          <a:fillRef idx="1">
+            <a:schemeClr val="accent1"/>
+          </a:fillRef>
+          <a:effectRef idx="0">
+            <a:schemeClr val="accent1"/>
+          </a:effectRef>
+          <a:fontRef idx="minor">
+            <a:schemeClr val="lt1"/>
+          </a:fontRef>
+        </p:style>
+        <p:txBody>
+          <a:bodyPr rtlCol="0" anchor="ctr"/>
+          <a:lstStyle/>
+          <a:p>
+            <a:pPr algn="ctr"/>
+            <a:endParaRPr kumimoji="1" lang="ja-JP" altLang="en-US"/>
+          </a:p>
+        </p:txBody>
+      </p:sp>
+    </p:spTree>
+    <p:extLst>
+      <p:ext uri="{BB962C8B-B14F-4D97-AF65-F5344CB8AC3E}">
+        <p14:creationId xmlns:p14="http://schemas.microsoft.com/office/powerpoint/2010/main" val="2670882269"/>
+      </p:ext>
+    </p:extLst>
+  </p:cSld>
+  <p:clrMapOvr>
+    <a:masterClrMapping/>
+  </p:clrMapOvr>
+</p:sld>
+</file>
+
+<file path=ppt/slides/slide5.xml><?xml version="1.0" encoding="utf-8"?>
 <p:sld xmlns:a="http://schemas.openxmlformats.org/drawingml/2006/main" xmlns:r="http://schemas.openxmlformats.org/officeDocument/2006/relationships" xmlns:p="http://schemas.openxmlformats.org/presentationml/2006/main">
   <p:cSld>
     <p:spTree>
@@ -9694,1817 +11551,6 @@
           <p:cNvPr id="15" name="正方形/長方形 14">
             <a:extLst>
               <a:ext uri="{FF2B5EF4-FFF2-40B4-BE49-F238E27FC236}">
-                <a16:creationId xmlns:a16="http://schemas.microsoft.com/office/drawing/2014/main" id="{D0ACC584-C506-49B4-8EA9-D71BBF437945}"/>
-              </a:ext>
-            </a:extLst>
-          </p:cNvPr>
-          <p:cNvSpPr/>
-          <p:nvPr/>
-        </p:nvSpPr>
-        <p:spPr>
-          <a:xfrm>
-            <a:off x="628650" y="2919933"/>
-            <a:ext cx="7886700" cy="2309119"/>
-          </a:xfrm>
-          <a:prstGeom prst="rect">
-            <a:avLst/>
-          </a:prstGeom>
-          <a:solidFill>
-            <a:srgbClr val="FFFFFF">
-              <a:alpha val="89804"/>
-            </a:srgbClr>
-          </a:solidFill>
-          <a:ln>
-            <a:noFill/>
-          </a:ln>
-        </p:spPr>
-        <p:style>
-          <a:lnRef idx="2">
-            <a:schemeClr val="accent1">
-              <a:shade val="50000"/>
-            </a:schemeClr>
-          </a:lnRef>
-          <a:fillRef idx="1">
-            <a:schemeClr val="accent1"/>
-          </a:fillRef>
-          <a:effectRef idx="0">
-            <a:schemeClr val="accent1"/>
-          </a:effectRef>
-          <a:fontRef idx="minor">
-            <a:schemeClr val="lt1"/>
-          </a:fontRef>
-        </p:style>
-        <p:txBody>
-          <a:bodyPr rtlCol="0" anchor="ctr"/>
-          <a:lstStyle/>
-          <a:p>
-            <a:pPr algn="ctr"/>
-            <a:endParaRPr kumimoji="1" lang="ja-JP" altLang="en-US"/>
-          </a:p>
-        </p:txBody>
-      </p:sp>
-    </p:spTree>
-    <p:extLst>
-      <p:ext uri="{BB962C8B-B14F-4D97-AF65-F5344CB8AC3E}">
-        <p14:creationId xmlns:p14="http://schemas.microsoft.com/office/powerpoint/2010/main" val="3908376362"/>
-      </p:ext>
-    </p:extLst>
-  </p:cSld>
-  <p:clrMapOvr>
-    <a:masterClrMapping/>
-  </p:clrMapOvr>
-</p:sld>
-</file>
-
-<file path=ppt/slides/slide4.xml><?xml version="1.0" encoding="utf-8"?>
-<p:sld xmlns:a="http://schemas.openxmlformats.org/drawingml/2006/main" xmlns:r="http://schemas.openxmlformats.org/officeDocument/2006/relationships" xmlns:p="http://schemas.openxmlformats.org/presentationml/2006/main">
-  <p:cSld>
-    <p:spTree>
-      <p:nvGrpSpPr>
-        <p:cNvPr id="1" name=""/>
-        <p:cNvGrpSpPr/>
-        <p:nvPr/>
-      </p:nvGrpSpPr>
-      <p:grpSpPr>
-        <a:xfrm>
-          <a:off x="0" y="0"/>
-          <a:ext cx="0" cy="0"/>
-          <a:chOff x="0" y="0"/>
-          <a:chExt cx="0" cy="0"/>
-        </a:xfrm>
-      </p:grpSpPr>
-      <p:sp>
-        <p:nvSpPr>
-          <p:cNvPr id="2" name="タイトル 1">
-            <a:extLst>
-              <a:ext uri="{FF2B5EF4-FFF2-40B4-BE49-F238E27FC236}">
-                <a16:creationId xmlns:a16="http://schemas.microsoft.com/office/drawing/2014/main" id="{D54DC1C0-6CFA-4C6F-892A-8DBEA9CC7F31}"/>
-              </a:ext>
-            </a:extLst>
-          </p:cNvPr>
-          <p:cNvSpPr>
-            <a:spLocks noGrp="1"/>
-          </p:cNvSpPr>
-          <p:nvPr>
-            <p:ph type="title"/>
-          </p:nvPr>
-        </p:nvSpPr>
-        <p:spPr/>
-        <p:txBody>
-          <a:bodyPr/>
-          <a:lstStyle/>
-          <a:p>
-            <a:r>
-              <a:rPr lang="ja-JP" altLang="en-US" dirty="0"/>
-              <a:t>絶対浸透率とダルシー則</a:t>
-            </a:r>
-            <a:endParaRPr kumimoji="1" lang="ja-JP" altLang="en-US" dirty="0"/>
-          </a:p>
-        </p:txBody>
-      </p:sp>
-      <mc:AlternateContent xmlns:mc="http://schemas.openxmlformats.org/markup-compatibility/2006">
-        <mc:Choice xmlns:a14="http://schemas.microsoft.com/office/drawing/2010/main" Requires="a14">
-          <p:sp>
-            <p:nvSpPr>
-              <p:cNvPr id="3" name="コンテンツ プレースホルダー 2">
-                <a:extLst>
-                  <a:ext uri="{FF2B5EF4-FFF2-40B4-BE49-F238E27FC236}">
-                    <a16:creationId xmlns:a16="http://schemas.microsoft.com/office/drawing/2014/main" id="{11B0A6BC-D666-459A-B184-5A9965F0A16A}"/>
-                  </a:ext>
-                </a:extLst>
-              </p:cNvPr>
-              <p:cNvSpPr>
-                <a:spLocks noGrp="1"/>
-              </p:cNvSpPr>
-              <p:nvPr>
-                <p:ph idx="1"/>
-              </p:nvPr>
-            </p:nvSpPr>
-            <p:spPr>
-              <a:xfrm>
-                <a:off x="628650" y="1498387"/>
-                <a:ext cx="7886700" cy="4678576"/>
-              </a:xfrm>
-            </p:spPr>
-            <p:txBody>
-              <a:bodyPr/>
-              <a:lstStyle/>
-              <a:p>
-                <a:pPr marL="0" indent="0">
-                  <a:buNone/>
-                </a:pPr>
-                <a14:m>
-                  <m:oMathPara xmlns:m="http://schemas.openxmlformats.org/officeDocument/2006/math">
-                    <m:oMathParaPr>
-                      <m:jc m:val="centerGroup"/>
-                    </m:oMathParaPr>
-                    <m:oMath xmlns:m="http://schemas.openxmlformats.org/officeDocument/2006/math">
-                      <m:r>
-                        <m:rPr>
-                          <m:sty m:val="p"/>
-                        </m:rPr>
-                        <a:rPr lang="en-US" altLang="ja-JP" sz="2400" b="1" i="1" u="none" strike="noStrike" kern="1200" cap="none" spc="0" normalizeH="0" baseline="0" noProof="0" dirty="0" smtClean="0">
-                          <a:ln>
-                            <a:noFill/>
-                          </a:ln>
-                          <a:solidFill>
-                            <a:prstClr val="black"/>
-                          </a:solidFill>
-                          <a:effectLst/>
-                          <a:uLnTx/>
-                          <a:uFillTx/>
-                          <a:latin typeface="Cambria Math" panose="02040503050406030204" pitchFamily="18" charset="0"/>
-                          <a:cs typeface="+mn-cs"/>
-                        </a:rPr>
-                        <m:t>Q</m:t>
-                      </m:r>
-                      <m:r>
-                        <a:rPr kumimoji="1" lang="en-US" altLang="ja-JP" sz="2400" b="0" i="1" u="none" strike="noStrike" kern="1200" cap="none" spc="0" normalizeH="0" baseline="0" noProof="0" smtClean="0">
-                          <a:ln>
-                            <a:noFill/>
-                          </a:ln>
-                          <a:solidFill>
-                            <a:prstClr val="black"/>
-                          </a:solidFill>
-                          <a:effectLst/>
-                          <a:uLnTx/>
-                          <a:uFillTx/>
-                          <a:latin typeface="Cambria Math" panose="02040503050406030204" pitchFamily="18" charset="0"/>
-                          <a:cs typeface="+mn-cs"/>
-                        </a:rPr>
-                        <m:t>=−</m:t>
-                      </m:r>
-                      <m:f>
-                        <m:fPr>
-                          <m:ctrlPr>
-                            <a:rPr kumimoji="1" lang="en-US" altLang="ja-JP" sz="2400" b="0" i="1" u="none" strike="noStrike" kern="1200" cap="none" spc="0" normalizeH="0" baseline="0" noProof="0" smtClean="0">
-                              <a:ln>
-                                <a:noFill/>
-                              </a:ln>
-                              <a:solidFill>
-                                <a:prstClr val="black"/>
-                              </a:solidFill>
-                              <a:effectLst/>
-                              <a:uLnTx/>
-                              <a:uFillTx/>
-                              <a:latin typeface="Cambria Math" panose="02040503050406030204" pitchFamily="18" charset="0"/>
-                              <a:cs typeface="+mn-cs"/>
-                            </a:rPr>
-                          </m:ctrlPr>
-                        </m:fPr>
-                        <m:num>
-                          <m:r>
-                            <a:rPr kumimoji="1" lang="en-US" altLang="ja-JP" sz="2400" b="0" i="1" u="none" strike="noStrike" kern="1200" cap="none" spc="0" normalizeH="0" baseline="0" noProof="0" smtClean="0">
-                              <a:ln>
-                                <a:noFill/>
-                              </a:ln>
-                              <a:solidFill>
-                                <a:prstClr val="black"/>
-                              </a:solidFill>
-                              <a:effectLst/>
-                              <a:uLnTx/>
-                              <a:uFillTx/>
-                              <a:latin typeface="Cambria Math" panose="02040503050406030204" pitchFamily="18" charset="0"/>
-                              <a:cs typeface="+mn-cs"/>
-                            </a:rPr>
-                            <m:t>𝑘</m:t>
-                          </m:r>
-                          <m:r>
-                            <a:rPr lang="en-US" altLang="ja-JP" sz="2400" i="1">
-                              <a:solidFill>
-                                <a:prstClr val="black"/>
-                              </a:solidFill>
-                              <a:latin typeface="Cambria Math" panose="02040503050406030204" pitchFamily="18" charset="0"/>
-                            </a:rPr>
-                            <m:t>𝐴</m:t>
-                          </m:r>
-                        </m:num>
-                        <m:den>
-                          <m:sSub>
-                            <m:sSubPr>
-                              <m:ctrlPr>
-                                <a:rPr kumimoji="1" lang="en-US" altLang="ja-JP" sz="2400" b="0" i="1" u="none" strike="noStrike" kern="1200" cap="none" spc="0" normalizeH="0" baseline="0" noProof="0" smtClean="0">
-                                  <a:ln>
-                                    <a:noFill/>
-                                  </a:ln>
-                                  <a:solidFill>
-                                    <a:prstClr val="black"/>
-                                  </a:solidFill>
-                                  <a:effectLst/>
-                                  <a:uLnTx/>
-                                  <a:uFillTx/>
-                                  <a:latin typeface="Cambria Math" panose="02040503050406030204" pitchFamily="18" charset="0"/>
-                                  <a:cs typeface="+mn-cs"/>
-                                </a:rPr>
-                              </m:ctrlPr>
-                            </m:sSubPr>
-                            <m:e>
-                              <m:r>
-                                <a:rPr kumimoji="1" lang="ja-JP" altLang="en-US" sz="2400" b="0" i="1" u="none" strike="noStrike" kern="1200" cap="none" spc="0" normalizeH="0" baseline="0" noProof="0" smtClean="0">
-                                  <a:ln>
-                                    <a:noFill/>
-                                  </a:ln>
-                                  <a:solidFill>
-                                    <a:prstClr val="black"/>
-                                  </a:solidFill>
-                                  <a:effectLst/>
-                                  <a:uLnTx/>
-                                  <a:uFillTx/>
-                                  <a:latin typeface="Cambria Math" panose="02040503050406030204" pitchFamily="18" charset="0"/>
-                                  <a:cs typeface="+mn-cs"/>
-                                </a:rPr>
-                                <m:t>𝜇</m:t>
-                              </m:r>
-                            </m:e>
-                            <m:sub>
-                              <m:r>
-                                <a:rPr kumimoji="1" lang="en-US" altLang="ja-JP" sz="2400" b="0" i="1" u="none" strike="noStrike" kern="1200" cap="none" spc="0" normalizeH="0" baseline="0" noProof="0" smtClean="0">
-                                  <a:ln>
-                                    <a:noFill/>
-                                  </a:ln>
-                                  <a:solidFill>
-                                    <a:prstClr val="black"/>
-                                  </a:solidFill>
-                                  <a:effectLst/>
-                                  <a:uLnTx/>
-                                  <a:uFillTx/>
-                                  <a:latin typeface="Cambria Math" panose="02040503050406030204" pitchFamily="18" charset="0"/>
-                                  <a:cs typeface="+mn-cs"/>
-                                </a:rPr>
-                                <m:t>𝑤</m:t>
-                              </m:r>
-                            </m:sub>
-                          </m:sSub>
-                        </m:den>
-                      </m:f>
-                      <m:f>
-                        <m:fPr>
-                          <m:ctrlPr>
-                            <a:rPr kumimoji="1" lang="en-US" altLang="ja-JP" sz="2400" b="0" i="1" u="none" strike="noStrike" kern="1200" cap="none" spc="0" normalizeH="0" baseline="0" noProof="0" smtClean="0">
-                              <a:ln>
-                                <a:noFill/>
-                              </a:ln>
-                              <a:solidFill>
-                                <a:prstClr val="black"/>
-                              </a:solidFill>
-                              <a:effectLst/>
-                              <a:uLnTx/>
-                              <a:uFillTx/>
-                              <a:latin typeface="Cambria Math" panose="02040503050406030204" pitchFamily="18" charset="0"/>
-                              <a:cs typeface="+mn-cs"/>
-                            </a:rPr>
-                          </m:ctrlPr>
-                        </m:fPr>
-                        <m:num>
-                          <m:r>
-                            <a:rPr lang="en-US" altLang="ja-JP" sz="2400" i="1">
-                              <a:solidFill>
-                                <a:prstClr val="black"/>
-                              </a:solidFill>
-                              <a:latin typeface="Cambria Math" panose="02040503050406030204" pitchFamily="18" charset="0"/>
-                              <a:ea typeface="Cambria Math" panose="02040503050406030204" pitchFamily="18" charset="0"/>
-                            </a:rPr>
-                            <m:t>∆</m:t>
-                          </m:r>
-                          <m:r>
-                            <a:rPr lang="en-US" altLang="ja-JP" sz="2400" i="1" smtClean="0">
-                              <a:solidFill>
-                                <a:prstClr val="black"/>
-                              </a:solidFill>
-                              <a:latin typeface="Cambria Math" panose="02040503050406030204" pitchFamily="18" charset="0"/>
-                              <a:ea typeface="Cambria Math" panose="02040503050406030204" pitchFamily="18" charset="0"/>
-                            </a:rPr>
-                            <m:t>𝑃</m:t>
-                          </m:r>
-                        </m:num>
-                        <m:den>
-                          <m:r>
-                            <a:rPr lang="en-US" altLang="ja-JP" sz="2400" i="1">
-                              <a:solidFill>
-                                <a:prstClr val="black"/>
-                              </a:solidFill>
-                              <a:latin typeface="Cambria Math" panose="02040503050406030204" pitchFamily="18" charset="0"/>
-                              <a:ea typeface="Cambria Math" panose="02040503050406030204" pitchFamily="18" charset="0"/>
-                            </a:rPr>
-                            <m:t>∆</m:t>
-                          </m:r>
-                          <m:r>
-                            <a:rPr lang="en-US" altLang="ja-JP" sz="2400" b="0" i="1" smtClean="0">
-                              <a:solidFill>
-                                <a:prstClr val="black"/>
-                              </a:solidFill>
-                              <a:latin typeface="Cambria Math" panose="02040503050406030204" pitchFamily="18" charset="0"/>
-                              <a:ea typeface="Cambria Math" panose="02040503050406030204" pitchFamily="18" charset="0"/>
-                            </a:rPr>
-                            <m:t>𝐿</m:t>
-                          </m:r>
-                        </m:den>
-                      </m:f>
-                      <m:r>
-                        <a:rPr kumimoji="1" lang="en-US" altLang="ja-JP" sz="2400" b="0" i="1" u="none" strike="noStrike" kern="1200" cap="none" spc="0" normalizeH="0" baseline="0" noProof="0" smtClean="0">
-                          <a:ln>
-                            <a:noFill/>
-                          </a:ln>
-                          <a:solidFill>
-                            <a:prstClr val="black"/>
-                          </a:solidFill>
-                          <a:effectLst/>
-                          <a:uLnTx/>
-                          <a:uFillTx/>
-                          <a:latin typeface="Cambria Math" panose="02040503050406030204" pitchFamily="18" charset="0"/>
-                          <a:cs typeface="+mn-cs"/>
-                        </a:rPr>
-                        <m:t> </m:t>
-                      </m:r>
-                    </m:oMath>
-                  </m:oMathPara>
-                </a14:m>
-                <a:endParaRPr kumimoji="1" lang="en-US" altLang="ja-JP" dirty="0"/>
-              </a:p>
-              <a:p>
-                <a:pPr marL="0" indent="0">
-                  <a:buNone/>
-                </a:pPr>
-                <a:r>
-                  <a:rPr lang="ja-JP" altLang="en-US" dirty="0"/>
-                  <a:t>コア試験では，断面積，粘性係数，試料の長さは既知</a:t>
-                </a:r>
-                <a:endParaRPr lang="en-US" altLang="ja-JP" dirty="0"/>
-              </a:p>
-              <a:p>
-                <a:pPr marL="0" indent="0">
-                  <a:buNone/>
-                </a:pPr>
-                <a:r>
-                  <a:rPr kumimoji="1" lang="ja-JP" altLang="en-US" dirty="0"/>
-                  <a:t>→ 差圧と流量は比例し，その</a:t>
-                </a:r>
-                <a:r>
-                  <a:rPr kumimoji="1" lang="ja-JP" altLang="en-US" b="1" dirty="0">
-                    <a:solidFill>
-                      <a:srgbClr val="FF0000"/>
-                    </a:solidFill>
-                  </a:rPr>
-                  <a:t>比例係数が絶対浸透率</a:t>
-                </a:r>
-                <a:r>
-                  <a:rPr kumimoji="1" lang="ja-JP" altLang="en-US" dirty="0"/>
-                  <a:t>（粘性の圧力依存</a:t>
-                </a:r>
-                <a:r>
-                  <a:rPr lang="ja-JP" altLang="en-US" dirty="0"/>
-                  <a:t>を無視した場合</a:t>
-                </a:r>
-                <a:r>
-                  <a:rPr kumimoji="1" lang="ja-JP" altLang="en-US" dirty="0"/>
-                  <a:t>）</a:t>
-                </a:r>
-                <a:endParaRPr kumimoji="1" lang="en-US" altLang="ja-JP" dirty="0"/>
-              </a:p>
-              <a:p>
-                <a:pPr marL="0" indent="0">
-                  <a:buNone/>
-                </a:pPr>
-                <a:endParaRPr kumimoji="1" lang="ja-JP" altLang="en-US" dirty="0"/>
-              </a:p>
-            </p:txBody>
-          </p:sp>
-        </mc:Choice>
-        <mc:Fallback>
-          <p:sp>
-            <p:nvSpPr>
-              <p:cNvPr id="3" name="コンテンツ プレースホルダー 2">
-                <a:extLst>
-                  <a:ext uri="{FF2B5EF4-FFF2-40B4-BE49-F238E27FC236}">
-                    <a16:creationId xmlns:a16="http://schemas.microsoft.com/office/drawing/2014/main" id="{11B0A6BC-D666-459A-B184-5A9965F0A16A}"/>
-                  </a:ext>
-                </a:extLst>
-              </p:cNvPr>
-              <p:cNvSpPr>
-                <a:spLocks noGrp="1" noRot="1" noChangeAspect="1" noMove="1" noResize="1" noEditPoints="1" noAdjustHandles="1" noChangeArrowheads="1" noChangeShapeType="1" noTextEdit="1"/>
-              </p:cNvSpPr>
-              <p:nvPr>
-                <p:ph idx="1"/>
-              </p:nvPr>
-            </p:nvSpPr>
-            <p:spPr>
-              <a:xfrm>
-                <a:off x="628650" y="1498387"/>
-                <a:ext cx="7886700" cy="4678576"/>
-              </a:xfrm>
-              <a:blipFill>
-                <a:blip r:embed="rId3"/>
-                <a:stretch>
-                  <a:fillRect l="-1005"/>
-                </a:stretch>
-              </a:blipFill>
-            </p:spPr>
-            <p:txBody>
-              <a:bodyPr/>
-              <a:lstStyle/>
-              <a:p>
-                <a:r>
-                  <a:rPr lang="ja-JP" altLang="en-US">
-                    <a:noFill/>
-                  </a:rPr>
-                  <a:t> </a:t>
-                </a:r>
-              </a:p>
-            </p:txBody>
-          </p:sp>
-        </mc:Fallback>
-      </mc:AlternateContent>
-      <p:grpSp>
-        <p:nvGrpSpPr>
-          <p:cNvPr id="12" name="グループ化 11">
-            <a:extLst>
-              <a:ext uri="{FF2B5EF4-FFF2-40B4-BE49-F238E27FC236}">
-                <a16:creationId xmlns:a16="http://schemas.microsoft.com/office/drawing/2014/main" id="{54EF8C2F-7E5A-4CD9-A7F3-E74B4E42CCBC}"/>
-              </a:ext>
-            </a:extLst>
-          </p:cNvPr>
-          <p:cNvGrpSpPr/>
-          <p:nvPr/>
-        </p:nvGrpSpPr>
-        <p:grpSpPr>
-          <a:xfrm>
-            <a:off x="3309261" y="4025001"/>
-            <a:ext cx="4792273" cy="2556337"/>
-            <a:chOff x="3024951" y="4209418"/>
-            <a:chExt cx="4792273" cy="2556337"/>
-          </a:xfrm>
-        </p:grpSpPr>
-        <p:sp>
-          <p:nvSpPr>
-            <p:cNvPr id="4" name="フローチャート: 磁気ディスク 3">
-              <a:extLst>
-                <a:ext uri="{FF2B5EF4-FFF2-40B4-BE49-F238E27FC236}">
-                  <a16:creationId xmlns:a16="http://schemas.microsoft.com/office/drawing/2014/main" id="{4EBB8DAE-5E0E-407A-BFEA-B8C2D95E483A}"/>
-                </a:ext>
-              </a:extLst>
-            </p:cNvPr>
-            <p:cNvSpPr/>
-            <p:nvPr/>
-          </p:nvSpPr>
-          <p:spPr>
-            <a:xfrm rot="16200000">
-              <a:off x="5037767" y="3704048"/>
-              <a:ext cx="1750204" cy="3634545"/>
-            </a:xfrm>
-            <a:prstGeom prst="flowChartMagneticDisk">
-              <a:avLst/>
-            </a:prstGeom>
-            <a:blipFill>
-              <a:blip r:embed="rId4"/>
-              <a:tile tx="0" ty="0" sx="100000" sy="100000" flip="none" algn="tl"/>
-            </a:blipFill>
-            <a:ln>
-              <a:solidFill>
-                <a:schemeClr val="tx1"/>
-              </a:solidFill>
-            </a:ln>
-          </p:spPr>
-          <p:style>
-            <a:lnRef idx="2">
-              <a:schemeClr val="accent1">
-                <a:shade val="50000"/>
-              </a:schemeClr>
-            </a:lnRef>
-            <a:fillRef idx="1">
-              <a:schemeClr val="accent1"/>
-            </a:fillRef>
-            <a:effectRef idx="0">
-              <a:schemeClr val="accent1"/>
-            </a:effectRef>
-            <a:fontRef idx="minor">
-              <a:schemeClr val="lt1"/>
-            </a:fontRef>
-          </p:style>
-          <p:txBody>
-            <a:bodyPr rtlCol="0" anchor="ctr"/>
-            <a:lstStyle/>
-            <a:p>
-              <a:pPr algn="ctr"/>
-              <a:endParaRPr kumimoji="1" lang="ja-JP" altLang="en-US"/>
-            </a:p>
-          </p:txBody>
-        </p:sp>
-        <p:sp>
-          <p:nvSpPr>
-            <p:cNvPr id="7" name="テキスト ボックス 6">
-              <a:extLst>
-                <a:ext uri="{FF2B5EF4-FFF2-40B4-BE49-F238E27FC236}">
-                  <a16:creationId xmlns:a16="http://schemas.microsoft.com/office/drawing/2014/main" id="{C1243C07-084D-441A-A026-305CD7CD9533}"/>
-                </a:ext>
-              </a:extLst>
-            </p:cNvPr>
-            <p:cNvSpPr txBox="1"/>
-            <p:nvPr/>
-          </p:nvSpPr>
-          <p:spPr>
-            <a:xfrm>
-              <a:off x="3930383" y="6396423"/>
-              <a:ext cx="1283234" cy="369332"/>
-            </a:xfrm>
-            <a:prstGeom prst="rect">
-              <a:avLst/>
-            </a:prstGeom>
-            <a:noFill/>
-          </p:spPr>
-          <p:txBody>
-            <a:bodyPr wrap="square" rtlCol="0">
-              <a:spAutoFit/>
-            </a:bodyPr>
-            <a:lstStyle/>
-            <a:p>
-              <a:pPr algn="ctr"/>
-              <a:r>
-                <a:rPr kumimoji="1" lang="ja-JP" altLang="en-US" dirty="0"/>
-                <a:t>上流圧力</a:t>
-              </a:r>
-            </a:p>
-          </p:txBody>
-        </p:sp>
-        <p:sp>
-          <p:nvSpPr>
-            <p:cNvPr id="8" name="テキスト ボックス 7">
-              <a:extLst>
-                <a:ext uri="{FF2B5EF4-FFF2-40B4-BE49-F238E27FC236}">
-                  <a16:creationId xmlns:a16="http://schemas.microsoft.com/office/drawing/2014/main" id="{FA519E9E-765A-43B5-BA3E-67B3F7329DCC}"/>
-                </a:ext>
-              </a:extLst>
-            </p:cNvPr>
-            <p:cNvSpPr txBox="1"/>
-            <p:nvPr/>
-          </p:nvSpPr>
-          <p:spPr>
-            <a:xfrm>
-              <a:off x="6533990" y="6396423"/>
-              <a:ext cx="1283234" cy="369332"/>
-            </a:xfrm>
-            <a:prstGeom prst="rect">
-              <a:avLst/>
-            </a:prstGeom>
-            <a:noFill/>
-          </p:spPr>
-          <p:txBody>
-            <a:bodyPr wrap="square" rtlCol="0">
-              <a:spAutoFit/>
-            </a:bodyPr>
-            <a:lstStyle/>
-            <a:p>
-              <a:pPr algn="ctr"/>
-              <a:r>
-                <a:rPr kumimoji="1" lang="ja-JP" altLang="en-US" dirty="0"/>
-                <a:t>下流圧力</a:t>
-              </a:r>
-            </a:p>
-          </p:txBody>
-        </p:sp>
-        <p:sp>
-          <p:nvSpPr>
-            <p:cNvPr id="11" name="左大かっこ 10">
-              <a:extLst>
-                <a:ext uri="{FF2B5EF4-FFF2-40B4-BE49-F238E27FC236}">
-                  <a16:creationId xmlns:a16="http://schemas.microsoft.com/office/drawing/2014/main" id="{36A0B6E0-BCE5-462A-A30B-F6BB10FA26F8}"/>
-                </a:ext>
-              </a:extLst>
-            </p:cNvPr>
-            <p:cNvSpPr/>
-            <p:nvPr/>
-          </p:nvSpPr>
-          <p:spPr>
-            <a:xfrm rot="5400000">
-              <a:off x="5894658" y="3280745"/>
-              <a:ext cx="152214" cy="2409684"/>
-            </a:xfrm>
-            <a:prstGeom prst="leftBracket">
-              <a:avLst/>
-            </a:prstGeom>
-            <a:ln w="28575"/>
-          </p:spPr>
-          <p:style>
-            <a:lnRef idx="1">
-              <a:schemeClr val="dk1"/>
-            </a:lnRef>
-            <a:fillRef idx="0">
-              <a:schemeClr val="dk1"/>
-            </a:fillRef>
-            <a:effectRef idx="0">
-              <a:schemeClr val="dk1"/>
-            </a:effectRef>
-            <a:fontRef idx="minor">
-              <a:schemeClr val="tx1"/>
-            </a:fontRef>
-          </p:style>
-          <p:txBody>
-            <a:bodyPr rtlCol="0" anchor="ctr"/>
-            <a:lstStyle/>
-            <a:p>
-              <a:pPr algn="ctr"/>
-              <a:endParaRPr kumimoji="1" lang="ja-JP" altLang="en-US"/>
-            </a:p>
-          </p:txBody>
-        </p:sp>
-        <p:sp>
-          <p:nvSpPr>
-            <p:cNvPr id="9" name="テキスト ボックス 8">
-              <a:extLst>
-                <a:ext uri="{FF2B5EF4-FFF2-40B4-BE49-F238E27FC236}">
-                  <a16:creationId xmlns:a16="http://schemas.microsoft.com/office/drawing/2014/main" id="{7D89BF1D-BD37-443A-BF4E-4993E3A5869F}"/>
-                </a:ext>
-              </a:extLst>
-            </p:cNvPr>
-            <p:cNvSpPr txBox="1"/>
-            <p:nvPr/>
-          </p:nvSpPr>
-          <p:spPr>
-            <a:xfrm>
-              <a:off x="3024951" y="5073159"/>
-              <a:ext cx="983563" cy="870495"/>
-            </a:xfrm>
-            <a:prstGeom prst="rect">
-              <a:avLst/>
-            </a:prstGeom>
-            <a:noFill/>
-          </p:spPr>
-          <p:txBody>
-            <a:bodyPr wrap="square" rtlCol="0">
-              <a:spAutoFit/>
-            </a:bodyPr>
-            <a:lstStyle/>
-            <a:p>
-              <a:pPr algn="ctr">
-                <a:lnSpc>
-                  <a:spcPct val="150000"/>
-                </a:lnSpc>
-              </a:pPr>
-              <a:r>
-                <a:rPr kumimoji="1" lang="ja-JP" altLang="en-US" dirty="0"/>
-                <a:t>断面積</a:t>
-              </a:r>
-              <a:endParaRPr kumimoji="1" lang="en-US" altLang="ja-JP" dirty="0"/>
-            </a:p>
-            <a:p>
-              <a:pPr algn="ctr">
-                <a:lnSpc>
-                  <a:spcPct val="150000"/>
-                </a:lnSpc>
-              </a:pPr>
-              <a:r>
-                <a:rPr kumimoji="1" lang="ja-JP" altLang="en-US" dirty="0"/>
-                <a:t>流量</a:t>
-              </a:r>
-            </a:p>
-          </p:txBody>
-        </p:sp>
-        <p:sp>
-          <p:nvSpPr>
-            <p:cNvPr id="10" name="テキスト ボックス 9">
-              <a:extLst>
-                <a:ext uri="{FF2B5EF4-FFF2-40B4-BE49-F238E27FC236}">
-                  <a16:creationId xmlns:a16="http://schemas.microsoft.com/office/drawing/2014/main" id="{F4FDC963-867E-42E5-ADFF-05F36ADC590B}"/>
-                </a:ext>
-              </a:extLst>
-            </p:cNvPr>
-            <p:cNvSpPr txBox="1"/>
-            <p:nvPr/>
-          </p:nvSpPr>
-          <p:spPr>
-            <a:xfrm>
-              <a:off x="5478983" y="4209418"/>
-              <a:ext cx="983563" cy="369332"/>
-            </a:xfrm>
-            <a:prstGeom prst="rect">
-              <a:avLst/>
-            </a:prstGeom>
-            <a:solidFill>
-              <a:schemeClr val="bg1"/>
-            </a:solidFill>
-          </p:spPr>
-          <p:txBody>
-            <a:bodyPr wrap="square" rtlCol="0">
-              <a:spAutoFit/>
-            </a:bodyPr>
-            <a:lstStyle/>
-            <a:p>
-              <a:pPr algn="ctr"/>
-              <a:r>
-                <a:rPr kumimoji="1" lang="ja-JP" altLang="en-US" dirty="0"/>
-                <a:t>コア長さ</a:t>
-              </a:r>
-            </a:p>
-          </p:txBody>
-        </p:sp>
-      </p:grpSp>
-      <p:sp>
-        <p:nvSpPr>
-          <p:cNvPr id="13" name="矢印: 右 12">
-            <a:extLst>
-              <a:ext uri="{FF2B5EF4-FFF2-40B4-BE49-F238E27FC236}">
-                <a16:creationId xmlns:a16="http://schemas.microsoft.com/office/drawing/2014/main" id="{3DE85C30-379E-4F3E-A6F1-0FCC4D5D61F6}"/>
-              </a:ext>
-            </a:extLst>
-          </p:cNvPr>
-          <p:cNvSpPr/>
-          <p:nvPr/>
-        </p:nvSpPr>
-        <p:spPr>
-          <a:xfrm>
-            <a:off x="4214693" y="5175811"/>
-            <a:ext cx="580144" cy="334256"/>
-          </a:xfrm>
-          <a:prstGeom prst="rightArrow">
-            <a:avLst/>
-          </a:prstGeom>
-          <a:solidFill>
-            <a:schemeClr val="bg1"/>
-          </a:solidFill>
-        </p:spPr>
-        <p:style>
-          <a:lnRef idx="2">
-            <a:schemeClr val="accent1">
-              <a:shade val="50000"/>
-            </a:schemeClr>
-          </a:lnRef>
-          <a:fillRef idx="1">
-            <a:schemeClr val="accent1"/>
-          </a:fillRef>
-          <a:effectRef idx="0">
-            <a:schemeClr val="accent1"/>
-          </a:effectRef>
-          <a:fontRef idx="minor">
-            <a:schemeClr val="lt1"/>
-          </a:fontRef>
-        </p:style>
-        <p:txBody>
-          <a:bodyPr rtlCol="0" anchor="ctr"/>
-          <a:lstStyle/>
-          <a:p>
-            <a:pPr algn="ctr"/>
-            <a:endParaRPr kumimoji="1" lang="ja-JP" altLang="en-US"/>
-          </a:p>
-        </p:txBody>
-      </p:sp>
-    </p:spTree>
-    <p:extLst>
-      <p:ext uri="{BB962C8B-B14F-4D97-AF65-F5344CB8AC3E}">
-        <p14:creationId xmlns:p14="http://schemas.microsoft.com/office/powerpoint/2010/main" val="2670882269"/>
-      </p:ext>
-    </p:extLst>
-  </p:cSld>
-  <p:clrMapOvr>
-    <a:masterClrMapping/>
-  </p:clrMapOvr>
-</p:sld>
-</file>
-
-<file path=ppt/slides/slide5.xml><?xml version="1.0" encoding="utf-8"?>
-<p:sld xmlns:a="http://schemas.openxmlformats.org/drawingml/2006/main" xmlns:r="http://schemas.openxmlformats.org/officeDocument/2006/relationships" xmlns:p="http://schemas.openxmlformats.org/presentationml/2006/main">
-  <p:cSld>
-    <p:spTree>
-      <p:nvGrpSpPr>
-        <p:cNvPr id="1" name=""/>
-        <p:cNvGrpSpPr/>
-        <p:nvPr/>
-      </p:nvGrpSpPr>
-      <p:grpSpPr>
-        <a:xfrm>
-          <a:off x="0" y="0"/>
-          <a:ext cx="0" cy="0"/>
-          <a:chOff x="0" y="0"/>
-          <a:chExt cx="0" cy="0"/>
-        </a:xfrm>
-      </p:grpSpPr>
-      <p:sp>
-        <p:nvSpPr>
-          <p:cNvPr id="2" name="タイトル 1">
-            <a:extLst>
-              <a:ext uri="{FF2B5EF4-FFF2-40B4-BE49-F238E27FC236}">
-                <a16:creationId xmlns:a16="http://schemas.microsoft.com/office/drawing/2014/main" id="{31635990-148D-40E0-BA92-856D37FBD08D}"/>
-              </a:ext>
-            </a:extLst>
-          </p:cNvPr>
-          <p:cNvSpPr>
-            <a:spLocks noGrp="1"/>
-          </p:cNvSpPr>
-          <p:nvPr>
-            <p:ph type="title"/>
-          </p:nvPr>
-        </p:nvSpPr>
-        <p:spPr/>
-        <p:txBody>
-          <a:bodyPr/>
-          <a:lstStyle/>
-          <a:p>
-            <a:r>
-              <a:rPr lang="ja-JP" altLang="en-US" dirty="0"/>
-              <a:t>発表内容</a:t>
-            </a:r>
-            <a:endParaRPr kumimoji="1" lang="ja-JP" altLang="en-US" dirty="0"/>
-          </a:p>
-        </p:txBody>
-      </p:sp>
-      <p:grpSp>
-        <p:nvGrpSpPr>
-          <p:cNvPr id="3" name="グループ化 2">
-            <a:extLst>
-              <a:ext uri="{FF2B5EF4-FFF2-40B4-BE49-F238E27FC236}">
-                <a16:creationId xmlns:a16="http://schemas.microsoft.com/office/drawing/2014/main" id="{FD32968B-0CA8-4F74-AA43-B4231DBDD697}"/>
-              </a:ext>
-            </a:extLst>
-          </p:cNvPr>
-          <p:cNvGrpSpPr/>
-          <p:nvPr/>
-        </p:nvGrpSpPr>
-        <p:grpSpPr>
-          <a:xfrm>
-            <a:off x="1087394" y="2129921"/>
-            <a:ext cx="6969211" cy="2598158"/>
-            <a:chOff x="1087394" y="1690689"/>
-            <a:chExt cx="6969211" cy="2598158"/>
-          </a:xfrm>
-        </p:grpSpPr>
-        <p:sp>
-          <p:nvSpPr>
-            <p:cNvPr id="4" name="正方形/長方形 3">
-              <a:extLst>
-                <a:ext uri="{FF2B5EF4-FFF2-40B4-BE49-F238E27FC236}">
-                  <a16:creationId xmlns:a16="http://schemas.microsoft.com/office/drawing/2014/main" id="{15089C35-5C4A-4B51-8066-34722357EB98}"/>
-                </a:ext>
-              </a:extLst>
-            </p:cNvPr>
-            <p:cNvSpPr/>
-            <p:nvPr/>
-          </p:nvSpPr>
-          <p:spPr>
-            <a:xfrm>
-              <a:off x="1087394" y="1690689"/>
-              <a:ext cx="852616" cy="720000"/>
-            </a:xfrm>
-            <a:prstGeom prst="rect">
-              <a:avLst/>
-            </a:prstGeom>
-          </p:spPr>
-          <p:style>
-            <a:lnRef idx="2">
-              <a:schemeClr val="accent1">
-                <a:shade val="50000"/>
-              </a:schemeClr>
-            </a:lnRef>
-            <a:fillRef idx="1">
-              <a:schemeClr val="accent1"/>
-            </a:fillRef>
-            <a:effectRef idx="0">
-              <a:schemeClr val="accent1"/>
-            </a:effectRef>
-            <a:fontRef idx="minor">
-              <a:schemeClr val="lt1"/>
-            </a:fontRef>
-          </p:style>
-          <p:txBody>
-            <a:bodyPr rtlCol="0" anchor="ctr"/>
-            <a:lstStyle>
-              <a:defPPr>
-                <a:defRPr lang="en-US"/>
-              </a:defPPr>
-              <a:lvl1pPr marL="0" algn="l" defTabSz="457200" rtl="0" eaLnBrk="1" latinLnBrk="0" hangingPunct="1">
-                <a:defRPr sz="1800" kern="1200">
-                  <a:solidFill>
-                    <a:schemeClr val="lt1"/>
-                  </a:solidFill>
-                  <a:latin typeface="+mn-lt"/>
-                  <a:ea typeface="+mn-ea"/>
-                  <a:cs typeface="+mn-cs"/>
-                </a:defRPr>
-              </a:lvl1pPr>
-              <a:lvl2pPr marL="457200" algn="l" defTabSz="457200" rtl="0" eaLnBrk="1" latinLnBrk="0" hangingPunct="1">
-                <a:defRPr sz="1800" kern="1200">
-                  <a:solidFill>
-                    <a:schemeClr val="lt1"/>
-                  </a:solidFill>
-                  <a:latin typeface="+mn-lt"/>
-                  <a:ea typeface="+mn-ea"/>
-                  <a:cs typeface="+mn-cs"/>
-                </a:defRPr>
-              </a:lvl2pPr>
-              <a:lvl3pPr marL="914400" algn="l" defTabSz="457200" rtl="0" eaLnBrk="1" latinLnBrk="0" hangingPunct="1">
-                <a:defRPr sz="1800" kern="1200">
-                  <a:solidFill>
-                    <a:schemeClr val="lt1"/>
-                  </a:solidFill>
-                  <a:latin typeface="+mn-lt"/>
-                  <a:ea typeface="+mn-ea"/>
-                  <a:cs typeface="+mn-cs"/>
-                </a:defRPr>
-              </a:lvl3pPr>
-              <a:lvl4pPr marL="1371600" algn="l" defTabSz="457200" rtl="0" eaLnBrk="1" latinLnBrk="0" hangingPunct="1">
-                <a:defRPr sz="1800" kern="1200">
-                  <a:solidFill>
-                    <a:schemeClr val="lt1"/>
-                  </a:solidFill>
-                  <a:latin typeface="+mn-lt"/>
-                  <a:ea typeface="+mn-ea"/>
-                  <a:cs typeface="+mn-cs"/>
-                </a:defRPr>
-              </a:lvl4pPr>
-              <a:lvl5pPr marL="1828800" algn="l" defTabSz="457200" rtl="0" eaLnBrk="1" latinLnBrk="0" hangingPunct="1">
-                <a:defRPr sz="1800" kern="1200">
-                  <a:solidFill>
-                    <a:schemeClr val="lt1"/>
-                  </a:solidFill>
-                  <a:latin typeface="+mn-lt"/>
-                  <a:ea typeface="+mn-ea"/>
-                  <a:cs typeface="+mn-cs"/>
-                </a:defRPr>
-              </a:lvl5pPr>
-              <a:lvl6pPr marL="2286000" algn="l" defTabSz="457200" rtl="0" eaLnBrk="1" latinLnBrk="0" hangingPunct="1">
-                <a:defRPr sz="1800" kern="1200">
-                  <a:solidFill>
-                    <a:schemeClr val="lt1"/>
-                  </a:solidFill>
-                  <a:latin typeface="+mn-lt"/>
-                  <a:ea typeface="+mn-ea"/>
-                  <a:cs typeface="+mn-cs"/>
-                </a:defRPr>
-              </a:lvl6pPr>
-              <a:lvl7pPr marL="2743200" algn="l" defTabSz="457200" rtl="0" eaLnBrk="1" latinLnBrk="0" hangingPunct="1">
-                <a:defRPr sz="1800" kern="1200">
-                  <a:solidFill>
-                    <a:schemeClr val="lt1"/>
-                  </a:solidFill>
-                  <a:latin typeface="+mn-lt"/>
-                  <a:ea typeface="+mn-ea"/>
-                  <a:cs typeface="+mn-cs"/>
-                </a:defRPr>
-              </a:lvl7pPr>
-              <a:lvl8pPr marL="3200400" algn="l" defTabSz="457200" rtl="0" eaLnBrk="1" latinLnBrk="0" hangingPunct="1">
-                <a:defRPr sz="1800" kern="1200">
-                  <a:solidFill>
-                    <a:schemeClr val="lt1"/>
-                  </a:solidFill>
-                  <a:latin typeface="+mn-lt"/>
-                  <a:ea typeface="+mn-ea"/>
-                  <a:cs typeface="+mn-cs"/>
-                </a:defRPr>
-              </a:lvl8pPr>
-              <a:lvl9pPr marL="3657600" algn="l" defTabSz="457200" rtl="0" eaLnBrk="1" latinLnBrk="0" hangingPunct="1">
-                <a:defRPr sz="1800" kern="1200">
-                  <a:solidFill>
-                    <a:schemeClr val="lt1"/>
-                  </a:solidFill>
-                  <a:latin typeface="+mn-lt"/>
-                  <a:ea typeface="+mn-ea"/>
-                  <a:cs typeface="+mn-cs"/>
-                </a:defRPr>
-              </a:lvl9pPr>
-            </a:lstStyle>
-            <a:p>
-              <a:pPr algn="ctr"/>
-              <a:r>
-                <a:rPr kumimoji="1" lang="en-US" altLang="ja-JP" sz="3000" dirty="0"/>
-                <a:t>1</a:t>
-              </a:r>
-              <a:endParaRPr kumimoji="1" lang="ja-JP" altLang="en-US" sz="3000"/>
-            </a:p>
-          </p:txBody>
-        </p:sp>
-        <p:sp>
-          <p:nvSpPr>
-            <p:cNvPr id="5" name="正方形/長方形 4">
-              <a:extLst>
-                <a:ext uri="{FF2B5EF4-FFF2-40B4-BE49-F238E27FC236}">
-                  <a16:creationId xmlns:a16="http://schemas.microsoft.com/office/drawing/2014/main" id="{CDCE0651-A0EF-4A4C-B943-083A18B640CD}"/>
-                </a:ext>
-              </a:extLst>
-            </p:cNvPr>
-            <p:cNvSpPr/>
-            <p:nvPr/>
-          </p:nvSpPr>
-          <p:spPr>
-            <a:xfrm>
-              <a:off x="2162432" y="1690689"/>
-              <a:ext cx="5894173" cy="720000"/>
-            </a:xfrm>
-            <a:prstGeom prst="rect">
-              <a:avLst/>
-            </a:prstGeom>
-            <a:noFill/>
-          </p:spPr>
-          <p:style>
-            <a:lnRef idx="2">
-              <a:schemeClr val="accent1">
-                <a:shade val="50000"/>
-              </a:schemeClr>
-            </a:lnRef>
-            <a:fillRef idx="1">
-              <a:schemeClr val="accent1"/>
-            </a:fillRef>
-            <a:effectRef idx="0">
-              <a:schemeClr val="accent1"/>
-            </a:effectRef>
-            <a:fontRef idx="minor">
-              <a:schemeClr val="lt1"/>
-            </a:fontRef>
-          </p:style>
-          <p:txBody>
-            <a:bodyPr rtlCol="0" anchor="ctr"/>
-            <a:lstStyle>
-              <a:defPPr>
-                <a:defRPr lang="en-US"/>
-              </a:defPPr>
-              <a:lvl1pPr marL="0" algn="l" defTabSz="457200" rtl="0" eaLnBrk="1" latinLnBrk="0" hangingPunct="1">
-                <a:defRPr sz="1800" kern="1200">
-                  <a:solidFill>
-                    <a:schemeClr val="lt1"/>
-                  </a:solidFill>
-                  <a:latin typeface="+mn-lt"/>
-                  <a:ea typeface="+mn-ea"/>
-                  <a:cs typeface="+mn-cs"/>
-                </a:defRPr>
-              </a:lvl1pPr>
-              <a:lvl2pPr marL="457200" algn="l" defTabSz="457200" rtl="0" eaLnBrk="1" latinLnBrk="0" hangingPunct="1">
-                <a:defRPr sz="1800" kern="1200">
-                  <a:solidFill>
-                    <a:schemeClr val="lt1"/>
-                  </a:solidFill>
-                  <a:latin typeface="+mn-lt"/>
-                  <a:ea typeface="+mn-ea"/>
-                  <a:cs typeface="+mn-cs"/>
-                </a:defRPr>
-              </a:lvl2pPr>
-              <a:lvl3pPr marL="914400" algn="l" defTabSz="457200" rtl="0" eaLnBrk="1" latinLnBrk="0" hangingPunct="1">
-                <a:defRPr sz="1800" kern="1200">
-                  <a:solidFill>
-                    <a:schemeClr val="lt1"/>
-                  </a:solidFill>
-                  <a:latin typeface="+mn-lt"/>
-                  <a:ea typeface="+mn-ea"/>
-                  <a:cs typeface="+mn-cs"/>
-                </a:defRPr>
-              </a:lvl3pPr>
-              <a:lvl4pPr marL="1371600" algn="l" defTabSz="457200" rtl="0" eaLnBrk="1" latinLnBrk="0" hangingPunct="1">
-                <a:defRPr sz="1800" kern="1200">
-                  <a:solidFill>
-                    <a:schemeClr val="lt1"/>
-                  </a:solidFill>
-                  <a:latin typeface="+mn-lt"/>
-                  <a:ea typeface="+mn-ea"/>
-                  <a:cs typeface="+mn-cs"/>
-                </a:defRPr>
-              </a:lvl4pPr>
-              <a:lvl5pPr marL="1828800" algn="l" defTabSz="457200" rtl="0" eaLnBrk="1" latinLnBrk="0" hangingPunct="1">
-                <a:defRPr sz="1800" kern="1200">
-                  <a:solidFill>
-                    <a:schemeClr val="lt1"/>
-                  </a:solidFill>
-                  <a:latin typeface="+mn-lt"/>
-                  <a:ea typeface="+mn-ea"/>
-                  <a:cs typeface="+mn-cs"/>
-                </a:defRPr>
-              </a:lvl5pPr>
-              <a:lvl6pPr marL="2286000" algn="l" defTabSz="457200" rtl="0" eaLnBrk="1" latinLnBrk="0" hangingPunct="1">
-                <a:defRPr sz="1800" kern="1200">
-                  <a:solidFill>
-                    <a:schemeClr val="lt1"/>
-                  </a:solidFill>
-                  <a:latin typeface="+mn-lt"/>
-                  <a:ea typeface="+mn-ea"/>
-                  <a:cs typeface="+mn-cs"/>
-                </a:defRPr>
-              </a:lvl6pPr>
-              <a:lvl7pPr marL="2743200" algn="l" defTabSz="457200" rtl="0" eaLnBrk="1" latinLnBrk="0" hangingPunct="1">
-                <a:defRPr sz="1800" kern="1200">
-                  <a:solidFill>
-                    <a:schemeClr val="lt1"/>
-                  </a:solidFill>
-                  <a:latin typeface="+mn-lt"/>
-                  <a:ea typeface="+mn-ea"/>
-                  <a:cs typeface="+mn-cs"/>
-                </a:defRPr>
-              </a:lvl7pPr>
-              <a:lvl8pPr marL="3200400" algn="l" defTabSz="457200" rtl="0" eaLnBrk="1" latinLnBrk="0" hangingPunct="1">
-                <a:defRPr sz="1800" kern="1200">
-                  <a:solidFill>
-                    <a:schemeClr val="lt1"/>
-                  </a:solidFill>
-                  <a:latin typeface="+mn-lt"/>
-                  <a:ea typeface="+mn-ea"/>
-                  <a:cs typeface="+mn-cs"/>
-                </a:defRPr>
-              </a:lvl8pPr>
-              <a:lvl9pPr marL="3657600" algn="l" defTabSz="457200" rtl="0" eaLnBrk="1" latinLnBrk="0" hangingPunct="1">
-                <a:defRPr sz="1800" kern="1200">
-                  <a:solidFill>
-                    <a:schemeClr val="lt1"/>
-                  </a:solidFill>
-                  <a:latin typeface="+mn-lt"/>
-                  <a:ea typeface="+mn-ea"/>
-                  <a:cs typeface="+mn-cs"/>
-                </a:defRPr>
-              </a:lvl9pPr>
-            </a:lstStyle>
-            <a:p>
-              <a:pPr algn="ctr"/>
-              <a:r>
-                <a:rPr kumimoji="1" lang="ja-JP" altLang="en-US" sz="2800" dirty="0">
-                  <a:solidFill>
-                    <a:schemeClr val="tx1"/>
-                  </a:solidFill>
-                </a:rPr>
-                <a:t>絶対浸透率とダルシー則</a:t>
-              </a:r>
-            </a:p>
-          </p:txBody>
-        </p:sp>
-        <p:grpSp>
-          <p:nvGrpSpPr>
-            <p:cNvPr id="6" name="グループ化 5">
-              <a:extLst>
-                <a:ext uri="{FF2B5EF4-FFF2-40B4-BE49-F238E27FC236}">
-                  <a16:creationId xmlns:a16="http://schemas.microsoft.com/office/drawing/2014/main" id="{A769C742-FEB8-4E91-AC59-37D0D0CFC756}"/>
-                </a:ext>
-              </a:extLst>
-            </p:cNvPr>
-            <p:cNvGrpSpPr/>
-            <p:nvPr/>
-          </p:nvGrpSpPr>
-          <p:grpSpPr>
-            <a:xfrm>
-              <a:off x="1087394" y="2627601"/>
-              <a:ext cx="6969211" cy="720000"/>
-              <a:chOff x="741405" y="1940011"/>
-              <a:chExt cx="6969211" cy="951470"/>
-            </a:xfrm>
-          </p:grpSpPr>
-          <p:sp>
-            <p:nvSpPr>
-              <p:cNvPr id="13" name="正方形/長方形 12">
-                <a:extLst>
-                  <a:ext uri="{FF2B5EF4-FFF2-40B4-BE49-F238E27FC236}">
-                    <a16:creationId xmlns:a16="http://schemas.microsoft.com/office/drawing/2014/main" id="{0E3E640D-D349-4C8C-9F10-8B679006EF4B}"/>
-                  </a:ext>
-                </a:extLst>
-              </p:cNvPr>
-              <p:cNvSpPr/>
-              <p:nvPr/>
-            </p:nvSpPr>
-            <p:spPr>
-              <a:xfrm>
-                <a:off x="741405" y="1940011"/>
-                <a:ext cx="852616" cy="951470"/>
-              </a:xfrm>
-              <a:prstGeom prst="rect">
-                <a:avLst/>
-              </a:prstGeom>
-            </p:spPr>
-            <p:style>
-              <a:lnRef idx="2">
-                <a:schemeClr val="accent1">
-                  <a:shade val="50000"/>
-                </a:schemeClr>
-              </a:lnRef>
-              <a:fillRef idx="1">
-                <a:schemeClr val="accent1"/>
-              </a:fillRef>
-              <a:effectRef idx="0">
-                <a:schemeClr val="accent1"/>
-              </a:effectRef>
-              <a:fontRef idx="minor">
-                <a:schemeClr val="lt1"/>
-              </a:fontRef>
-            </p:style>
-            <p:txBody>
-              <a:bodyPr rtlCol="0" anchor="ctr"/>
-              <a:lstStyle>
-                <a:defPPr>
-                  <a:defRPr lang="en-US"/>
-                </a:defPPr>
-                <a:lvl1pPr marL="0" algn="l" defTabSz="457200" rtl="0" eaLnBrk="1" latinLnBrk="0" hangingPunct="1">
-                  <a:defRPr sz="1800" kern="1200">
-                    <a:solidFill>
-                      <a:schemeClr val="lt1"/>
-                    </a:solidFill>
-                    <a:latin typeface="+mn-lt"/>
-                    <a:ea typeface="+mn-ea"/>
-                    <a:cs typeface="+mn-cs"/>
-                  </a:defRPr>
-                </a:lvl1pPr>
-                <a:lvl2pPr marL="457200" algn="l" defTabSz="457200" rtl="0" eaLnBrk="1" latinLnBrk="0" hangingPunct="1">
-                  <a:defRPr sz="1800" kern="1200">
-                    <a:solidFill>
-                      <a:schemeClr val="lt1"/>
-                    </a:solidFill>
-                    <a:latin typeface="+mn-lt"/>
-                    <a:ea typeface="+mn-ea"/>
-                    <a:cs typeface="+mn-cs"/>
-                  </a:defRPr>
-                </a:lvl2pPr>
-                <a:lvl3pPr marL="914400" algn="l" defTabSz="457200" rtl="0" eaLnBrk="1" latinLnBrk="0" hangingPunct="1">
-                  <a:defRPr sz="1800" kern="1200">
-                    <a:solidFill>
-                      <a:schemeClr val="lt1"/>
-                    </a:solidFill>
-                    <a:latin typeface="+mn-lt"/>
-                    <a:ea typeface="+mn-ea"/>
-                    <a:cs typeface="+mn-cs"/>
-                  </a:defRPr>
-                </a:lvl3pPr>
-                <a:lvl4pPr marL="1371600" algn="l" defTabSz="457200" rtl="0" eaLnBrk="1" latinLnBrk="0" hangingPunct="1">
-                  <a:defRPr sz="1800" kern="1200">
-                    <a:solidFill>
-                      <a:schemeClr val="lt1"/>
-                    </a:solidFill>
-                    <a:latin typeface="+mn-lt"/>
-                    <a:ea typeface="+mn-ea"/>
-                    <a:cs typeface="+mn-cs"/>
-                  </a:defRPr>
-                </a:lvl4pPr>
-                <a:lvl5pPr marL="1828800" algn="l" defTabSz="457200" rtl="0" eaLnBrk="1" latinLnBrk="0" hangingPunct="1">
-                  <a:defRPr sz="1800" kern="1200">
-                    <a:solidFill>
-                      <a:schemeClr val="lt1"/>
-                    </a:solidFill>
-                    <a:latin typeface="+mn-lt"/>
-                    <a:ea typeface="+mn-ea"/>
-                    <a:cs typeface="+mn-cs"/>
-                  </a:defRPr>
-                </a:lvl5pPr>
-                <a:lvl6pPr marL="2286000" algn="l" defTabSz="457200" rtl="0" eaLnBrk="1" latinLnBrk="0" hangingPunct="1">
-                  <a:defRPr sz="1800" kern="1200">
-                    <a:solidFill>
-                      <a:schemeClr val="lt1"/>
-                    </a:solidFill>
-                    <a:latin typeface="+mn-lt"/>
-                    <a:ea typeface="+mn-ea"/>
-                    <a:cs typeface="+mn-cs"/>
-                  </a:defRPr>
-                </a:lvl6pPr>
-                <a:lvl7pPr marL="2743200" algn="l" defTabSz="457200" rtl="0" eaLnBrk="1" latinLnBrk="0" hangingPunct="1">
-                  <a:defRPr sz="1800" kern="1200">
-                    <a:solidFill>
-                      <a:schemeClr val="lt1"/>
-                    </a:solidFill>
-                    <a:latin typeface="+mn-lt"/>
-                    <a:ea typeface="+mn-ea"/>
-                    <a:cs typeface="+mn-cs"/>
-                  </a:defRPr>
-                </a:lvl7pPr>
-                <a:lvl8pPr marL="3200400" algn="l" defTabSz="457200" rtl="0" eaLnBrk="1" latinLnBrk="0" hangingPunct="1">
-                  <a:defRPr sz="1800" kern="1200">
-                    <a:solidFill>
-                      <a:schemeClr val="lt1"/>
-                    </a:solidFill>
-                    <a:latin typeface="+mn-lt"/>
-                    <a:ea typeface="+mn-ea"/>
-                    <a:cs typeface="+mn-cs"/>
-                  </a:defRPr>
-                </a:lvl8pPr>
-                <a:lvl9pPr marL="3657600" algn="l" defTabSz="457200" rtl="0" eaLnBrk="1" latinLnBrk="0" hangingPunct="1">
-                  <a:defRPr sz="1800" kern="1200">
-                    <a:solidFill>
-                      <a:schemeClr val="lt1"/>
-                    </a:solidFill>
-                    <a:latin typeface="+mn-lt"/>
-                    <a:ea typeface="+mn-ea"/>
-                    <a:cs typeface="+mn-cs"/>
-                  </a:defRPr>
-                </a:lvl9pPr>
-              </a:lstStyle>
-              <a:p>
-                <a:pPr algn="ctr"/>
-                <a:r>
-                  <a:rPr kumimoji="1" lang="en-US" altLang="ja-JP" sz="3000" dirty="0"/>
-                  <a:t>2</a:t>
-                </a:r>
-                <a:endParaRPr kumimoji="1" lang="ja-JP" altLang="en-US" sz="3000" dirty="0"/>
-              </a:p>
-            </p:txBody>
-          </p:sp>
-          <p:sp>
-            <p:nvSpPr>
-              <p:cNvPr id="14" name="正方形/長方形 13">
-                <a:extLst>
-                  <a:ext uri="{FF2B5EF4-FFF2-40B4-BE49-F238E27FC236}">
-                    <a16:creationId xmlns:a16="http://schemas.microsoft.com/office/drawing/2014/main" id="{5BEE2C6C-539A-48AE-A8AB-F77EFD0E01DB}"/>
-                  </a:ext>
-                </a:extLst>
-              </p:cNvPr>
-              <p:cNvSpPr/>
-              <p:nvPr/>
-            </p:nvSpPr>
-            <p:spPr>
-              <a:xfrm>
-                <a:off x="1816443" y="1940011"/>
-                <a:ext cx="5894173" cy="951470"/>
-              </a:xfrm>
-              <a:prstGeom prst="rect">
-                <a:avLst/>
-              </a:prstGeom>
-              <a:noFill/>
-            </p:spPr>
-            <p:style>
-              <a:lnRef idx="2">
-                <a:schemeClr val="accent1">
-                  <a:shade val="50000"/>
-                </a:schemeClr>
-              </a:lnRef>
-              <a:fillRef idx="1">
-                <a:schemeClr val="accent1"/>
-              </a:fillRef>
-              <a:effectRef idx="0">
-                <a:schemeClr val="accent1"/>
-              </a:effectRef>
-              <a:fontRef idx="minor">
-                <a:schemeClr val="lt1"/>
-              </a:fontRef>
-            </p:style>
-            <p:txBody>
-              <a:bodyPr rtlCol="0" anchor="ctr"/>
-              <a:lstStyle>
-                <a:defPPr>
-                  <a:defRPr lang="en-US"/>
-                </a:defPPr>
-                <a:lvl1pPr marL="0" algn="l" defTabSz="457200" rtl="0" eaLnBrk="1" latinLnBrk="0" hangingPunct="1">
-                  <a:defRPr sz="1800" kern="1200">
-                    <a:solidFill>
-                      <a:schemeClr val="lt1"/>
-                    </a:solidFill>
-                    <a:latin typeface="+mn-lt"/>
-                    <a:ea typeface="+mn-ea"/>
-                    <a:cs typeface="+mn-cs"/>
-                  </a:defRPr>
-                </a:lvl1pPr>
-                <a:lvl2pPr marL="457200" algn="l" defTabSz="457200" rtl="0" eaLnBrk="1" latinLnBrk="0" hangingPunct="1">
-                  <a:defRPr sz="1800" kern="1200">
-                    <a:solidFill>
-                      <a:schemeClr val="lt1"/>
-                    </a:solidFill>
-                    <a:latin typeface="+mn-lt"/>
-                    <a:ea typeface="+mn-ea"/>
-                    <a:cs typeface="+mn-cs"/>
-                  </a:defRPr>
-                </a:lvl2pPr>
-                <a:lvl3pPr marL="914400" algn="l" defTabSz="457200" rtl="0" eaLnBrk="1" latinLnBrk="0" hangingPunct="1">
-                  <a:defRPr sz="1800" kern="1200">
-                    <a:solidFill>
-                      <a:schemeClr val="lt1"/>
-                    </a:solidFill>
-                    <a:latin typeface="+mn-lt"/>
-                    <a:ea typeface="+mn-ea"/>
-                    <a:cs typeface="+mn-cs"/>
-                  </a:defRPr>
-                </a:lvl3pPr>
-                <a:lvl4pPr marL="1371600" algn="l" defTabSz="457200" rtl="0" eaLnBrk="1" latinLnBrk="0" hangingPunct="1">
-                  <a:defRPr sz="1800" kern="1200">
-                    <a:solidFill>
-                      <a:schemeClr val="lt1"/>
-                    </a:solidFill>
-                    <a:latin typeface="+mn-lt"/>
-                    <a:ea typeface="+mn-ea"/>
-                    <a:cs typeface="+mn-cs"/>
-                  </a:defRPr>
-                </a:lvl4pPr>
-                <a:lvl5pPr marL="1828800" algn="l" defTabSz="457200" rtl="0" eaLnBrk="1" latinLnBrk="0" hangingPunct="1">
-                  <a:defRPr sz="1800" kern="1200">
-                    <a:solidFill>
-                      <a:schemeClr val="lt1"/>
-                    </a:solidFill>
-                    <a:latin typeface="+mn-lt"/>
-                    <a:ea typeface="+mn-ea"/>
-                    <a:cs typeface="+mn-cs"/>
-                  </a:defRPr>
-                </a:lvl5pPr>
-                <a:lvl6pPr marL="2286000" algn="l" defTabSz="457200" rtl="0" eaLnBrk="1" latinLnBrk="0" hangingPunct="1">
-                  <a:defRPr sz="1800" kern="1200">
-                    <a:solidFill>
-                      <a:schemeClr val="lt1"/>
-                    </a:solidFill>
-                    <a:latin typeface="+mn-lt"/>
-                    <a:ea typeface="+mn-ea"/>
-                    <a:cs typeface="+mn-cs"/>
-                  </a:defRPr>
-                </a:lvl6pPr>
-                <a:lvl7pPr marL="2743200" algn="l" defTabSz="457200" rtl="0" eaLnBrk="1" latinLnBrk="0" hangingPunct="1">
-                  <a:defRPr sz="1800" kern="1200">
-                    <a:solidFill>
-                      <a:schemeClr val="lt1"/>
-                    </a:solidFill>
-                    <a:latin typeface="+mn-lt"/>
-                    <a:ea typeface="+mn-ea"/>
-                    <a:cs typeface="+mn-cs"/>
-                  </a:defRPr>
-                </a:lvl7pPr>
-                <a:lvl8pPr marL="3200400" algn="l" defTabSz="457200" rtl="0" eaLnBrk="1" latinLnBrk="0" hangingPunct="1">
-                  <a:defRPr sz="1800" kern="1200">
-                    <a:solidFill>
-                      <a:schemeClr val="lt1"/>
-                    </a:solidFill>
-                    <a:latin typeface="+mn-lt"/>
-                    <a:ea typeface="+mn-ea"/>
-                    <a:cs typeface="+mn-cs"/>
-                  </a:defRPr>
-                </a:lvl8pPr>
-                <a:lvl9pPr marL="3657600" algn="l" defTabSz="457200" rtl="0" eaLnBrk="1" latinLnBrk="0" hangingPunct="1">
-                  <a:defRPr sz="1800" kern="1200">
-                    <a:solidFill>
-                      <a:schemeClr val="lt1"/>
-                    </a:solidFill>
-                    <a:latin typeface="+mn-lt"/>
-                    <a:ea typeface="+mn-ea"/>
-                    <a:cs typeface="+mn-cs"/>
-                  </a:defRPr>
-                </a:lvl9pPr>
-              </a:lstStyle>
-              <a:p>
-                <a:pPr algn="ctr"/>
-                <a:r>
-                  <a:rPr kumimoji="1" lang="en-US" altLang="ja-JP" sz="2800" dirty="0">
-                    <a:solidFill>
-                      <a:schemeClr val="tx1"/>
-                    </a:solidFill>
-                  </a:rPr>
-                  <a:t>2</a:t>
-                </a:r>
-                <a:r>
-                  <a:rPr kumimoji="1" lang="ja-JP" altLang="en-US" sz="2800" dirty="0">
-                    <a:solidFill>
-                      <a:schemeClr val="tx1"/>
-                    </a:solidFill>
-                  </a:rPr>
-                  <a:t>相の相対浸透率</a:t>
-                </a:r>
-              </a:p>
-            </p:txBody>
-          </p:sp>
-        </p:grpSp>
-        <p:grpSp>
-          <p:nvGrpSpPr>
-            <p:cNvPr id="7" name="グループ化 6">
-              <a:extLst>
-                <a:ext uri="{FF2B5EF4-FFF2-40B4-BE49-F238E27FC236}">
-                  <a16:creationId xmlns:a16="http://schemas.microsoft.com/office/drawing/2014/main" id="{F4B74A04-265F-45BA-939A-A23BCC99A3C7}"/>
-                </a:ext>
-              </a:extLst>
-            </p:cNvPr>
-            <p:cNvGrpSpPr/>
-            <p:nvPr/>
-          </p:nvGrpSpPr>
-          <p:grpSpPr>
-            <a:xfrm>
-              <a:off x="1087394" y="3568847"/>
-              <a:ext cx="6969211" cy="720000"/>
-              <a:chOff x="741405" y="1940011"/>
-              <a:chExt cx="6969211" cy="951470"/>
-            </a:xfrm>
-          </p:grpSpPr>
-          <p:sp>
-            <p:nvSpPr>
-              <p:cNvPr id="11" name="正方形/長方形 10">
-                <a:extLst>
-                  <a:ext uri="{FF2B5EF4-FFF2-40B4-BE49-F238E27FC236}">
-                    <a16:creationId xmlns:a16="http://schemas.microsoft.com/office/drawing/2014/main" id="{4B7E721F-D1E1-4785-BDD0-EDB495113717}"/>
-                  </a:ext>
-                </a:extLst>
-              </p:cNvPr>
-              <p:cNvSpPr/>
-              <p:nvPr/>
-            </p:nvSpPr>
-            <p:spPr>
-              <a:xfrm>
-                <a:off x="741405" y="1940011"/>
-                <a:ext cx="852616" cy="951470"/>
-              </a:xfrm>
-              <a:prstGeom prst="rect">
-                <a:avLst/>
-              </a:prstGeom>
-            </p:spPr>
-            <p:style>
-              <a:lnRef idx="2">
-                <a:schemeClr val="accent1">
-                  <a:shade val="50000"/>
-                </a:schemeClr>
-              </a:lnRef>
-              <a:fillRef idx="1">
-                <a:schemeClr val="accent1"/>
-              </a:fillRef>
-              <a:effectRef idx="0">
-                <a:schemeClr val="accent1"/>
-              </a:effectRef>
-              <a:fontRef idx="minor">
-                <a:schemeClr val="lt1"/>
-              </a:fontRef>
-            </p:style>
-            <p:txBody>
-              <a:bodyPr rtlCol="0" anchor="ctr"/>
-              <a:lstStyle>
-                <a:defPPr>
-                  <a:defRPr lang="en-US"/>
-                </a:defPPr>
-                <a:lvl1pPr marL="0" algn="l" defTabSz="457200" rtl="0" eaLnBrk="1" latinLnBrk="0" hangingPunct="1">
-                  <a:defRPr sz="1800" kern="1200">
-                    <a:solidFill>
-                      <a:schemeClr val="lt1"/>
-                    </a:solidFill>
-                    <a:latin typeface="+mn-lt"/>
-                    <a:ea typeface="+mn-ea"/>
-                    <a:cs typeface="+mn-cs"/>
-                  </a:defRPr>
-                </a:lvl1pPr>
-                <a:lvl2pPr marL="457200" algn="l" defTabSz="457200" rtl="0" eaLnBrk="1" latinLnBrk="0" hangingPunct="1">
-                  <a:defRPr sz="1800" kern="1200">
-                    <a:solidFill>
-                      <a:schemeClr val="lt1"/>
-                    </a:solidFill>
-                    <a:latin typeface="+mn-lt"/>
-                    <a:ea typeface="+mn-ea"/>
-                    <a:cs typeface="+mn-cs"/>
-                  </a:defRPr>
-                </a:lvl2pPr>
-                <a:lvl3pPr marL="914400" algn="l" defTabSz="457200" rtl="0" eaLnBrk="1" latinLnBrk="0" hangingPunct="1">
-                  <a:defRPr sz="1800" kern="1200">
-                    <a:solidFill>
-                      <a:schemeClr val="lt1"/>
-                    </a:solidFill>
-                    <a:latin typeface="+mn-lt"/>
-                    <a:ea typeface="+mn-ea"/>
-                    <a:cs typeface="+mn-cs"/>
-                  </a:defRPr>
-                </a:lvl3pPr>
-                <a:lvl4pPr marL="1371600" algn="l" defTabSz="457200" rtl="0" eaLnBrk="1" latinLnBrk="0" hangingPunct="1">
-                  <a:defRPr sz="1800" kern="1200">
-                    <a:solidFill>
-                      <a:schemeClr val="lt1"/>
-                    </a:solidFill>
-                    <a:latin typeface="+mn-lt"/>
-                    <a:ea typeface="+mn-ea"/>
-                    <a:cs typeface="+mn-cs"/>
-                  </a:defRPr>
-                </a:lvl4pPr>
-                <a:lvl5pPr marL="1828800" algn="l" defTabSz="457200" rtl="0" eaLnBrk="1" latinLnBrk="0" hangingPunct="1">
-                  <a:defRPr sz="1800" kern="1200">
-                    <a:solidFill>
-                      <a:schemeClr val="lt1"/>
-                    </a:solidFill>
-                    <a:latin typeface="+mn-lt"/>
-                    <a:ea typeface="+mn-ea"/>
-                    <a:cs typeface="+mn-cs"/>
-                  </a:defRPr>
-                </a:lvl5pPr>
-                <a:lvl6pPr marL="2286000" algn="l" defTabSz="457200" rtl="0" eaLnBrk="1" latinLnBrk="0" hangingPunct="1">
-                  <a:defRPr sz="1800" kern="1200">
-                    <a:solidFill>
-                      <a:schemeClr val="lt1"/>
-                    </a:solidFill>
-                    <a:latin typeface="+mn-lt"/>
-                    <a:ea typeface="+mn-ea"/>
-                    <a:cs typeface="+mn-cs"/>
-                  </a:defRPr>
-                </a:lvl6pPr>
-                <a:lvl7pPr marL="2743200" algn="l" defTabSz="457200" rtl="0" eaLnBrk="1" latinLnBrk="0" hangingPunct="1">
-                  <a:defRPr sz="1800" kern="1200">
-                    <a:solidFill>
-                      <a:schemeClr val="lt1"/>
-                    </a:solidFill>
-                    <a:latin typeface="+mn-lt"/>
-                    <a:ea typeface="+mn-ea"/>
-                    <a:cs typeface="+mn-cs"/>
-                  </a:defRPr>
-                </a:lvl7pPr>
-                <a:lvl8pPr marL="3200400" algn="l" defTabSz="457200" rtl="0" eaLnBrk="1" latinLnBrk="0" hangingPunct="1">
-                  <a:defRPr sz="1800" kern="1200">
-                    <a:solidFill>
-                      <a:schemeClr val="lt1"/>
-                    </a:solidFill>
-                    <a:latin typeface="+mn-lt"/>
-                    <a:ea typeface="+mn-ea"/>
-                    <a:cs typeface="+mn-cs"/>
-                  </a:defRPr>
-                </a:lvl8pPr>
-                <a:lvl9pPr marL="3657600" algn="l" defTabSz="457200" rtl="0" eaLnBrk="1" latinLnBrk="0" hangingPunct="1">
-                  <a:defRPr sz="1800" kern="1200">
-                    <a:solidFill>
-                      <a:schemeClr val="lt1"/>
-                    </a:solidFill>
-                    <a:latin typeface="+mn-lt"/>
-                    <a:ea typeface="+mn-ea"/>
-                    <a:cs typeface="+mn-cs"/>
-                  </a:defRPr>
-                </a:lvl9pPr>
-              </a:lstStyle>
-              <a:p>
-                <a:pPr algn="ctr"/>
-                <a:r>
-                  <a:rPr kumimoji="1" lang="en-US" altLang="ja-JP" sz="3000" dirty="0"/>
-                  <a:t>3</a:t>
-                </a:r>
-                <a:endParaRPr kumimoji="1" lang="ja-JP" altLang="en-US" sz="3000" dirty="0"/>
-              </a:p>
-            </p:txBody>
-          </p:sp>
-          <p:sp>
-            <p:nvSpPr>
-              <p:cNvPr id="12" name="正方形/長方形 11">
-                <a:extLst>
-                  <a:ext uri="{FF2B5EF4-FFF2-40B4-BE49-F238E27FC236}">
-                    <a16:creationId xmlns:a16="http://schemas.microsoft.com/office/drawing/2014/main" id="{82BEB835-16AF-4FAE-BE07-E01EEB63AB4A}"/>
-                  </a:ext>
-                </a:extLst>
-              </p:cNvPr>
-              <p:cNvSpPr/>
-              <p:nvPr/>
-            </p:nvSpPr>
-            <p:spPr>
-              <a:xfrm>
-                <a:off x="1816443" y="1940011"/>
-                <a:ext cx="5894173" cy="951470"/>
-              </a:xfrm>
-              <a:prstGeom prst="rect">
-                <a:avLst/>
-              </a:prstGeom>
-              <a:noFill/>
-            </p:spPr>
-            <p:style>
-              <a:lnRef idx="2">
-                <a:schemeClr val="accent1">
-                  <a:shade val="50000"/>
-                </a:schemeClr>
-              </a:lnRef>
-              <a:fillRef idx="1">
-                <a:schemeClr val="accent1"/>
-              </a:fillRef>
-              <a:effectRef idx="0">
-                <a:schemeClr val="accent1"/>
-              </a:effectRef>
-              <a:fontRef idx="minor">
-                <a:schemeClr val="lt1"/>
-              </a:fontRef>
-            </p:style>
-            <p:txBody>
-              <a:bodyPr rtlCol="0" anchor="ctr"/>
-              <a:lstStyle>
-                <a:defPPr>
-                  <a:defRPr lang="en-US"/>
-                </a:defPPr>
-                <a:lvl1pPr marL="0" algn="l" defTabSz="457200" rtl="0" eaLnBrk="1" latinLnBrk="0" hangingPunct="1">
-                  <a:defRPr sz="1800" kern="1200">
-                    <a:solidFill>
-                      <a:schemeClr val="lt1"/>
-                    </a:solidFill>
-                    <a:latin typeface="+mn-lt"/>
-                    <a:ea typeface="+mn-ea"/>
-                    <a:cs typeface="+mn-cs"/>
-                  </a:defRPr>
-                </a:lvl1pPr>
-                <a:lvl2pPr marL="457200" algn="l" defTabSz="457200" rtl="0" eaLnBrk="1" latinLnBrk="0" hangingPunct="1">
-                  <a:defRPr sz="1800" kern="1200">
-                    <a:solidFill>
-                      <a:schemeClr val="lt1"/>
-                    </a:solidFill>
-                    <a:latin typeface="+mn-lt"/>
-                    <a:ea typeface="+mn-ea"/>
-                    <a:cs typeface="+mn-cs"/>
-                  </a:defRPr>
-                </a:lvl2pPr>
-                <a:lvl3pPr marL="914400" algn="l" defTabSz="457200" rtl="0" eaLnBrk="1" latinLnBrk="0" hangingPunct="1">
-                  <a:defRPr sz="1800" kern="1200">
-                    <a:solidFill>
-                      <a:schemeClr val="lt1"/>
-                    </a:solidFill>
-                    <a:latin typeface="+mn-lt"/>
-                    <a:ea typeface="+mn-ea"/>
-                    <a:cs typeface="+mn-cs"/>
-                  </a:defRPr>
-                </a:lvl3pPr>
-                <a:lvl4pPr marL="1371600" algn="l" defTabSz="457200" rtl="0" eaLnBrk="1" latinLnBrk="0" hangingPunct="1">
-                  <a:defRPr sz="1800" kern="1200">
-                    <a:solidFill>
-                      <a:schemeClr val="lt1"/>
-                    </a:solidFill>
-                    <a:latin typeface="+mn-lt"/>
-                    <a:ea typeface="+mn-ea"/>
-                    <a:cs typeface="+mn-cs"/>
-                  </a:defRPr>
-                </a:lvl4pPr>
-                <a:lvl5pPr marL="1828800" algn="l" defTabSz="457200" rtl="0" eaLnBrk="1" latinLnBrk="0" hangingPunct="1">
-                  <a:defRPr sz="1800" kern="1200">
-                    <a:solidFill>
-                      <a:schemeClr val="lt1"/>
-                    </a:solidFill>
-                    <a:latin typeface="+mn-lt"/>
-                    <a:ea typeface="+mn-ea"/>
-                    <a:cs typeface="+mn-cs"/>
-                  </a:defRPr>
-                </a:lvl5pPr>
-                <a:lvl6pPr marL="2286000" algn="l" defTabSz="457200" rtl="0" eaLnBrk="1" latinLnBrk="0" hangingPunct="1">
-                  <a:defRPr sz="1800" kern="1200">
-                    <a:solidFill>
-                      <a:schemeClr val="lt1"/>
-                    </a:solidFill>
-                    <a:latin typeface="+mn-lt"/>
-                    <a:ea typeface="+mn-ea"/>
-                    <a:cs typeface="+mn-cs"/>
-                  </a:defRPr>
-                </a:lvl6pPr>
-                <a:lvl7pPr marL="2743200" algn="l" defTabSz="457200" rtl="0" eaLnBrk="1" latinLnBrk="0" hangingPunct="1">
-                  <a:defRPr sz="1800" kern="1200">
-                    <a:solidFill>
-                      <a:schemeClr val="lt1"/>
-                    </a:solidFill>
-                    <a:latin typeface="+mn-lt"/>
-                    <a:ea typeface="+mn-ea"/>
-                    <a:cs typeface="+mn-cs"/>
-                  </a:defRPr>
-                </a:lvl7pPr>
-                <a:lvl8pPr marL="3200400" algn="l" defTabSz="457200" rtl="0" eaLnBrk="1" latinLnBrk="0" hangingPunct="1">
-                  <a:defRPr sz="1800" kern="1200">
-                    <a:solidFill>
-                      <a:schemeClr val="lt1"/>
-                    </a:solidFill>
-                    <a:latin typeface="+mn-lt"/>
-                    <a:ea typeface="+mn-ea"/>
-                    <a:cs typeface="+mn-cs"/>
-                  </a:defRPr>
-                </a:lvl8pPr>
-                <a:lvl9pPr marL="3657600" algn="l" defTabSz="457200" rtl="0" eaLnBrk="1" latinLnBrk="0" hangingPunct="1">
-                  <a:defRPr sz="1800" kern="1200">
-                    <a:solidFill>
-                      <a:schemeClr val="lt1"/>
-                    </a:solidFill>
-                    <a:latin typeface="+mn-lt"/>
-                    <a:ea typeface="+mn-ea"/>
-                    <a:cs typeface="+mn-cs"/>
-                  </a:defRPr>
-                </a:lvl9pPr>
-              </a:lstStyle>
-              <a:p>
-                <a:pPr algn="ctr"/>
-                <a:r>
-                  <a:rPr kumimoji="1" lang="en-US" altLang="ja-JP" sz="2800" dirty="0">
-                    <a:solidFill>
-                      <a:schemeClr val="tx1"/>
-                    </a:solidFill>
-                  </a:rPr>
-                  <a:t>3</a:t>
-                </a:r>
-                <a:r>
-                  <a:rPr kumimoji="1" lang="ja-JP" altLang="en-US" sz="2800" dirty="0">
-                    <a:solidFill>
-                      <a:schemeClr val="tx1"/>
-                    </a:solidFill>
-                  </a:rPr>
-                  <a:t>相の相対浸透率</a:t>
-                </a:r>
-              </a:p>
-            </p:txBody>
-          </p:sp>
-        </p:grpSp>
-      </p:grpSp>
-      <p:sp>
-        <p:nvSpPr>
-          <p:cNvPr id="15" name="正方形/長方形 14">
-            <a:extLst>
-              <a:ext uri="{FF2B5EF4-FFF2-40B4-BE49-F238E27FC236}">
                 <a16:creationId xmlns:a16="http://schemas.microsoft.com/office/drawing/2014/main" id="{920E8F4A-CAAA-4B6D-9617-493EF1C83ED8}"/>
               </a:ext>
             </a:extLst>
@@ -11670,8 +11716,8 @@
           </a:p>
         </p:txBody>
       </p:sp>
-      <mc:AlternateContent xmlns:mc="http://schemas.openxmlformats.org/markup-compatibility/2006">
-        <mc:Choice xmlns:a14="http://schemas.microsoft.com/office/drawing/2010/main" Requires="a14">
+      <mc:AlternateContent xmlns:mc="http://schemas.openxmlformats.org/markup-compatibility/2006" xmlns:a14="http://schemas.microsoft.com/office/drawing/2010/main">
+        <mc:Choice Requires="a14">
           <p:sp>
             <p:nvSpPr>
               <p:cNvPr id="3" name="コンテンツ プレースホルダー 2">
@@ -12208,7 +12254,7 @@
             </p:txBody>
           </p:sp>
         </mc:Choice>
-        <mc:Fallback>
+        <mc:Fallback xmlns="">
           <p:sp>
             <p:nvSpPr>
               <p:cNvPr id="3" name="コンテンツ プレースホルダー 2">
